--- a/clean coding 2020.pptx
+++ b/clean coding 2020.pptx
@@ -44,11 +44,6 @@
     <p:sldId id="289" r:id="rId39"/>
     <p:sldId id="290" r:id="rId40"/>
     <p:sldId id="291" r:id="rId41"/>
-    <p:sldId id="292" r:id="rId42"/>
-    <p:sldId id="293" r:id="rId43"/>
-    <p:sldId id="294" r:id="rId44"/>
-    <p:sldId id="295" r:id="rId45"/>
-    <p:sldId id="296" r:id="rId46"/>
   </p:sldIdLst>
   <p:sldSz cx="12192000" cy="6858000"/>
   <p:notesSz cx="7559675" cy="10691812"/>
@@ -5524,7 +5519,7 @@
         <p:spPr>
           <a:xfrm>
             <a:off x="9959040" y="5906880"/>
-            <a:ext cx="1545120" cy="263520"/>
+            <a:ext cx="1544760" cy="263160"/>
           </a:xfrm>
           <a:prstGeom prst="rect">
             <a:avLst/>
@@ -5547,7 +5542,7 @@
         <p:spPr>
           <a:xfrm>
             <a:off x="9959040" y="5906880"/>
-            <a:ext cx="1545120" cy="263520"/>
+            <a:ext cx="1544760" cy="263160"/>
           </a:xfrm>
           <a:prstGeom prst="rect">
             <a:avLst/>
@@ -5844,7 +5839,7 @@
         <p:spPr>
           <a:xfrm>
             <a:off x="9959040" y="5906880"/>
-            <a:ext cx="1545120" cy="263520"/>
+            <a:ext cx="1544760" cy="263160"/>
           </a:xfrm>
           <a:prstGeom prst="rect">
             <a:avLst/>
@@ -6159,7 +6154,7 @@
         <p:spPr>
           <a:xfrm>
             <a:off x="9959040" y="5906880"/>
-            <a:ext cx="1545120" cy="263520"/>
+            <a:ext cx="1544760" cy="263160"/>
           </a:xfrm>
           <a:prstGeom prst="rect">
             <a:avLst/>
@@ -6198,31 +6193,19 @@
               <a:rPr b="0" lang="uk-UA" sz="4400" spc="-1" strike="noStrike">
                 <a:latin typeface="Arial"/>
               </a:rPr>
-              <a:t>Для </a:t>
+              <a:t>Для правки </a:t>
             </a:r>
             <a:r>
               <a:rPr b="0" lang="uk-UA" sz="4400" spc="-1" strike="noStrike">
                 <a:latin typeface="Arial"/>
               </a:rPr>
-              <a:t>правки </a:t>
+              <a:t>тексту </a:t>
             </a:r>
             <a:r>
               <a:rPr b="0" lang="uk-UA" sz="4400" spc="-1" strike="noStrike">
                 <a:latin typeface="Arial"/>
               </a:rPr>
-              <a:t>тексту </a:t>
-            </a:r>
-            <a:r>
-              <a:rPr b="0" lang="uk-UA" sz="4400" spc="-1" strike="noStrike">
-                <a:latin typeface="Arial"/>
-              </a:rPr>
-              <a:t>заголовк</a:t>
-            </a:r>
-            <a:r>
-              <a:rPr b="0" lang="uk-UA" sz="4400" spc="-1" strike="noStrike">
-                <a:latin typeface="Arial"/>
-              </a:rPr>
-              <a:t>а </a:t>
+              <a:t>заголовка </a:t>
             </a:r>
             <a:r>
               <a:rPr b="0" lang="uk-UA" sz="4400" spc="-1" strike="noStrike">
@@ -6478,7 +6461,7 @@
         <p:spPr>
           <a:xfrm>
             <a:off x="9959040" y="5906880"/>
-            <a:ext cx="1545120" cy="263520"/>
+            <a:ext cx="1544760" cy="263160"/>
           </a:xfrm>
           <a:prstGeom prst="rect">
             <a:avLst/>
@@ -6497,7 +6480,7 @@
         <p:spPr>
           <a:xfrm>
             <a:off x="9487080" y="236880"/>
-            <a:ext cx="2119680" cy="257040"/>
+            <a:ext cx="2119320" cy="257040"/>
           </a:xfrm>
           <a:prstGeom prst="rect">
             <a:avLst/>
@@ -6574,55 +6557,37 @@
               <a:rPr b="0" lang="uk-UA" sz="4400" spc="-1" strike="noStrike">
                 <a:latin typeface="Arial"/>
               </a:rPr>
-              <a:t>правк</a:t>
+              <a:t>правки </a:t>
             </a:r>
             <a:r>
               <a:rPr b="0" lang="uk-UA" sz="4400" spc="-1" strike="noStrike">
                 <a:latin typeface="Arial"/>
               </a:rPr>
-              <a:t>и </a:t>
+              <a:t>тексту </a:t>
             </a:r>
             <a:r>
               <a:rPr b="0" lang="uk-UA" sz="4400" spc="-1" strike="noStrike">
                 <a:latin typeface="Arial"/>
               </a:rPr>
-              <a:t>тексту </a:t>
+              <a:t>заголовк</a:t>
             </a:r>
             <a:r>
               <a:rPr b="0" lang="uk-UA" sz="4400" spc="-1" strike="noStrike">
                 <a:latin typeface="Arial"/>
               </a:rPr>
-              <a:t>загол</a:t>
+              <a:t>а </a:t>
             </a:r>
             <a:r>
               <a:rPr b="0" lang="uk-UA" sz="4400" spc="-1" strike="noStrike">
                 <a:latin typeface="Arial"/>
               </a:rPr>
-              <a:t>овка </a:t>
+              <a:t>клацніть </a:t>
             </a:r>
             <a:r>
               <a:rPr b="0" lang="uk-UA" sz="4400" spc="-1" strike="noStrike">
                 <a:latin typeface="Arial"/>
               </a:rPr>
-              <a:t>клацні</a:t>
-            </a:r>
-            <a:r>
-              <a:rPr b="0" lang="uk-UA" sz="4400" spc="-1" strike="noStrike">
-                <a:latin typeface="Arial"/>
-              </a:rPr>
-              <a:t>ть </a:t>
-            </a:r>
-            <a:r>
-              <a:rPr b="0" lang="uk-UA" sz="4400" spc="-1" strike="noStrike">
-                <a:latin typeface="Arial"/>
-              </a:rPr>
-              <a:t>мише</a:t>
-            </a:r>
-            <a:r>
-              <a:rPr b="0" lang="uk-UA" sz="4400" spc="-1" strike="noStrike">
-                <a:latin typeface="Arial"/>
-              </a:rPr>
-              <a:t>ю</a:t>
+              <a:t>мишею</a:t>
             </a:r>
             <a:endParaRPr b="0" lang="uk-UA" sz="4400" spc="-1" strike="noStrike">
               <a:latin typeface="Arial"/>
@@ -6855,7 +6820,7 @@
         <p:spPr>
           <a:xfrm>
             <a:off x="685800" y="685800"/>
-            <a:ext cx="10818720" cy="684000"/>
+            <a:ext cx="10818360" cy="683640"/>
           </a:xfrm>
           <a:prstGeom prst="rect">
             <a:avLst/>
@@ -6881,7 +6846,7 @@
         <p:spPr>
           <a:xfrm>
             <a:off x="685800" y="2057400"/>
-            <a:ext cx="10818720" cy="3427200"/>
+            <a:ext cx="10818360" cy="3426840"/>
           </a:xfrm>
           <a:prstGeom prst="rect">
             <a:avLst/>
@@ -6907,7 +6872,7 @@
         <p:spPr>
           <a:xfrm>
             <a:off x="576000" y="1008000"/>
-            <a:ext cx="3599280" cy="5306760"/>
+            <a:ext cx="3598920" cy="5306400"/>
           </a:xfrm>
           <a:prstGeom prst="rect">
             <a:avLst/>
@@ -6933,7 +6898,7 @@
         <p:spPr>
           <a:xfrm>
             <a:off x="832680" y="5837400"/>
-            <a:ext cx="3465720" cy="293760"/>
+            <a:ext cx="3465360" cy="293400"/>
           </a:xfrm>
           <a:prstGeom prst="rect">
             <a:avLst/>
@@ -6959,7 +6924,7 @@
         <p:spPr>
           <a:xfrm>
             <a:off x="-61560" y="97200"/>
-            <a:ext cx="12389400" cy="6681600"/>
+            <a:ext cx="12389040" cy="6681240"/>
           </a:xfrm>
           <a:prstGeom prst="rect">
             <a:avLst/>
@@ -7120,7 +7085,7 @@
         <p:spPr>
           <a:xfrm>
             <a:off x="685800" y="685800"/>
-            <a:ext cx="10818720" cy="684000"/>
+            <a:ext cx="10818360" cy="683640"/>
           </a:xfrm>
           <a:prstGeom prst="rect">
             <a:avLst/>
@@ -7146,7 +7111,7 @@
         <p:spPr>
           <a:xfrm>
             <a:off x="6330600" y="2057400"/>
-            <a:ext cx="5173560" cy="3427200"/>
+            <a:ext cx="5173200" cy="3426840"/>
           </a:xfrm>
           <a:prstGeom prst="rect">
             <a:avLst/>
@@ -7172,7 +7137,7 @@
         <p:spPr>
           <a:xfrm>
             <a:off x="4608000" y="432000"/>
-            <a:ext cx="2423160" cy="798480"/>
+            <a:ext cx="2422800" cy="798120"/>
           </a:xfrm>
           <a:prstGeom prst="rect">
             <a:avLst/>
@@ -7223,7 +7188,7 @@
         <p:spPr>
           <a:xfrm>
             <a:off x="-163080" y="1202760"/>
-            <a:ext cx="12042360" cy="1101240"/>
+            <a:ext cx="12042000" cy="1100880"/>
           </a:xfrm>
           <a:prstGeom prst="rect">
             <a:avLst/>
@@ -7288,7 +7253,7 @@
         <p:spPr>
           <a:xfrm>
             <a:off x="1440000" y="1944000"/>
-            <a:ext cx="8352000" cy="4247280"/>
+            <a:ext cx="8351640" cy="4246920"/>
           </a:xfrm>
           <a:prstGeom prst="rect">
             <a:avLst/>
@@ -7337,7 +7302,7 @@
         <p:spPr>
           <a:xfrm>
             <a:off x="648000" y="550440"/>
-            <a:ext cx="10871280" cy="5191560"/>
+            <a:ext cx="10870920" cy="5191200"/>
           </a:xfrm>
           <a:prstGeom prst="rect">
             <a:avLst/>
@@ -7418,7 +7383,7 @@
         <p:spPr>
           <a:xfrm>
             <a:off x="685800" y="685800"/>
-            <a:ext cx="10818720" cy="684000"/>
+            <a:ext cx="10818360" cy="683640"/>
           </a:xfrm>
           <a:prstGeom prst="rect">
             <a:avLst/>
@@ -7444,7 +7409,7 @@
         <p:spPr>
           <a:xfrm>
             <a:off x="685800" y="2057400"/>
-            <a:ext cx="5173200" cy="3427200"/>
+            <a:ext cx="5172840" cy="3426840"/>
           </a:xfrm>
           <a:prstGeom prst="rect">
             <a:avLst/>
@@ -7470,7 +7435,7 @@
         <p:spPr>
           <a:xfrm>
             <a:off x="6330600" y="2057400"/>
-            <a:ext cx="5173560" cy="3427200"/>
+            <a:ext cx="5173200" cy="3426840"/>
           </a:xfrm>
           <a:prstGeom prst="rect">
             <a:avLst/>
@@ -7496,7 +7461,7 @@
         <p:spPr>
           <a:xfrm>
             <a:off x="4536000" y="504000"/>
-            <a:ext cx="2423160" cy="798480"/>
+            <a:ext cx="2422800" cy="798120"/>
           </a:xfrm>
           <a:prstGeom prst="rect">
             <a:avLst/>
@@ -7547,7 +7512,7 @@
         <p:spPr>
           <a:xfrm>
             <a:off x="216000" y="1202760"/>
-            <a:ext cx="12042360" cy="1101240"/>
+            <a:ext cx="12042000" cy="1100880"/>
           </a:xfrm>
           <a:prstGeom prst="rect">
             <a:avLst/>
@@ -7608,7 +7573,7 @@
         <p:spPr>
           <a:xfrm>
             <a:off x="685800" y="1944000"/>
-            <a:ext cx="10833480" cy="3916080"/>
+            <a:ext cx="10833120" cy="3915720"/>
           </a:xfrm>
           <a:prstGeom prst="rect">
             <a:avLst/>
@@ -7693,7 +7658,7 @@
         <p:spPr>
           <a:xfrm>
             <a:off x="3888000" y="1815480"/>
-            <a:ext cx="4247280" cy="3655800"/>
+            <a:ext cx="4246920" cy="3655440"/>
           </a:xfrm>
           <a:prstGeom prst="rect">
             <a:avLst/>
@@ -7741,7 +7706,7 @@
         <p:spPr>
           <a:xfrm>
             <a:off x="5040000" y="433080"/>
-            <a:ext cx="1871280" cy="430920"/>
+            <a:ext cx="1870920" cy="430560"/>
           </a:xfrm>
           <a:prstGeom prst="rect">
             <a:avLst/>
@@ -7821,7 +7786,7 @@
         <p:spPr>
           <a:xfrm>
             <a:off x="7344000" y="432000"/>
-            <a:ext cx="3384000" cy="430920"/>
+            <a:ext cx="3383640" cy="430560"/>
           </a:xfrm>
           <a:prstGeom prst="rect">
             <a:avLst/>
@@ -7901,7 +7866,7 @@
         <p:spPr>
           <a:xfrm>
             <a:off x="1944000" y="432000"/>
-            <a:ext cx="2447280" cy="430920"/>
+            <a:ext cx="2446920" cy="430560"/>
           </a:xfrm>
           <a:prstGeom prst="rect">
             <a:avLst/>
@@ -7980,7 +7945,7 @@
         <p:spPr>
           <a:xfrm>
             <a:off x="936000" y="1584000"/>
-            <a:ext cx="2663280" cy="260280"/>
+            <a:ext cx="2662920" cy="259920"/>
           </a:xfrm>
           <a:prstGeom prst="rect">
             <a:avLst/>
@@ -8031,7 +7996,7 @@
         <p:spPr>
           <a:xfrm>
             <a:off x="8280000" y="1585080"/>
-            <a:ext cx="3672000" cy="430920"/>
+            <a:ext cx="3671640" cy="430560"/>
           </a:xfrm>
           <a:prstGeom prst="rect">
             <a:avLst/>
@@ -8140,7 +8105,7 @@
         <p:spPr>
           <a:xfrm>
             <a:off x="8496000" y="2520000"/>
-            <a:ext cx="3888000" cy="260280"/>
+            <a:ext cx="3887640" cy="259920"/>
           </a:xfrm>
           <a:prstGeom prst="rect">
             <a:avLst/>
@@ -8220,7 +8185,7 @@
         <p:spPr>
           <a:xfrm>
             <a:off x="8496000" y="3223800"/>
-            <a:ext cx="3168000" cy="430920"/>
+            <a:ext cx="3167640" cy="430560"/>
           </a:xfrm>
           <a:prstGeom prst="rect">
             <a:avLst/>
@@ -8300,7 +8265,7 @@
         <p:spPr>
           <a:xfrm>
             <a:off x="8496000" y="4059720"/>
-            <a:ext cx="3168000" cy="260280"/>
+            <a:ext cx="3167640" cy="259920"/>
           </a:xfrm>
           <a:prstGeom prst="rect">
             <a:avLst/>
@@ -8380,7 +8345,7 @@
         <p:spPr>
           <a:xfrm>
             <a:off x="8135280" y="5040000"/>
-            <a:ext cx="3672000" cy="260280"/>
+            <a:ext cx="3671640" cy="259920"/>
           </a:xfrm>
           <a:prstGeom prst="rect">
             <a:avLst/>
@@ -8489,7 +8454,7 @@
         <p:spPr>
           <a:xfrm>
             <a:off x="3240000" y="5787720"/>
-            <a:ext cx="4752000" cy="260280"/>
+            <a:ext cx="4751640" cy="259920"/>
           </a:xfrm>
           <a:prstGeom prst="rect">
             <a:avLst/>
@@ -8569,7 +8534,7 @@
         <p:spPr>
           <a:xfrm>
             <a:off x="504000" y="3888000"/>
-            <a:ext cx="2663280" cy="430920"/>
+            <a:ext cx="2662920" cy="430560"/>
           </a:xfrm>
           <a:prstGeom prst="rect">
             <a:avLst/>
@@ -8649,7 +8614,7 @@
         <p:spPr>
           <a:xfrm>
             <a:off x="72000" y="2223000"/>
-            <a:ext cx="3167640" cy="513000"/>
+            <a:ext cx="3167280" cy="512640"/>
           </a:xfrm>
           <a:prstGeom prst="rect">
             <a:avLst/>
@@ -8730,7 +8695,7 @@
         <p:spPr>
           <a:xfrm>
             <a:off x="685800" y="685800"/>
-            <a:ext cx="10818720" cy="684000"/>
+            <a:ext cx="10818360" cy="683640"/>
           </a:xfrm>
           <a:prstGeom prst="rect">
             <a:avLst/>
@@ -8756,7 +8721,7 @@
         <p:spPr>
           <a:xfrm>
             <a:off x="6330600" y="2057400"/>
-            <a:ext cx="5173560" cy="3427200"/>
+            <a:ext cx="5173200" cy="3426840"/>
           </a:xfrm>
           <a:prstGeom prst="rect">
             <a:avLst/>
@@ -8782,7 +8747,7 @@
         <p:spPr>
           <a:xfrm>
             <a:off x="4632120" y="504000"/>
-            <a:ext cx="2423160" cy="798480"/>
+            <a:ext cx="2422800" cy="798120"/>
           </a:xfrm>
           <a:prstGeom prst="rect">
             <a:avLst/>
@@ -8833,7 +8798,7 @@
         <p:spPr>
           <a:xfrm>
             <a:off x="233280" y="1296000"/>
-            <a:ext cx="12042360" cy="716760"/>
+            <a:ext cx="12042000" cy="716400"/>
           </a:xfrm>
           <a:prstGeom prst="rect">
             <a:avLst/>
@@ -8884,7 +8849,7 @@
         <p:spPr>
           <a:xfrm>
             <a:off x="648000" y="1987920"/>
-            <a:ext cx="10856160" cy="3916080"/>
+            <a:ext cx="10855800" cy="3915720"/>
           </a:xfrm>
           <a:prstGeom prst="rect">
             <a:avLst/>
@@ -8975,7 +8940,7 @@
         <p:spPr>
           <a:xfrm>
             <a:off x="720000" y="144000"/>
-            <a:ext cx="10871280" cy="5616720"/>
+            <a:ext cx="10870920" cy="5616360"/>
           </a:xfrm>
           <a:prstGeom prst="rect">
             <a:avLst/>
@@ -9049,7 +9014,7 @@
                 <a:latin typeface="Arial"/>
                 <a:ea typeface="DejaVu Sans"/>
               </a:rPr>
-              <a:t>Рефакторинг</a:t>
+              <a:t>Рефакторинг. </a:t>
             </a:r>
             <a:r>
               <a:rPr b="0" lang="uk-UA" sz="3000" spc="-1" strike="noStrike">
@@ -9059,7 +9024,17 @@
                 <a:latin typeface="Arial"/>
                 <a:ea typeface="DejaVu Sans"/>
               </a:rPr>
-              <a:t> є ключовим, буквально. Саме це робить ваш код чистим, красивим, вдосконаленим та легшим для розуміння. Завжди є місце для вдосконалення. Остерігайтеся та уникайте нав'язливості або надмірної рівності. Якщо вас спокушає видалити код і почати переписувати все з нуля,то ви, мабуть, переборщили.  </a:t>
+              <a:t>Саме це робить ваш код чистим, красивим, вдосконаленим та легшим для розуміння. Завжди є місце для вдосконалення. </a:t>
+            </a:r>
+            <a:r>
+              <a:rPr b="0" lang="uk-UA" sz="3000" spc="-1" strike="noStrike">
+                <a:solidFill>
+                  <a:srgbClr val="ffffff"/>
+                </a:solidFill>
+                <a:latin typeface="Arial"/>
+                <a:ea typeface="DejaVu Sans"/>
+              </a:rPr>
+              <a:t>Рефакторинг слід робити обережно і невеликими шматками, щоб ви не зіпсували одну частину, намагаючись виправити іншу. </a:t>
             </a:r>
             <a:endParaRPr b="0" lang="uk-UA" sz="3000" spc="-1" strike="noStrike">
               <a:latin typeface="Arial"/>
@@ -9105,8 +9080,8 @@
         </p:nvSpPr>
         <p:spPr>
           <a:xfrm>
-            <a:off x="648000" y="657000"/>
-            <a:ext cx="11376000" cy="1790280"/>
+            <a:off x="3528000" y="504000"/>
+            <a:ext cx="6478920" cy="741600"/>
           </a:xfrm>
           <a:prstGeom prst="rect">
             <a:avLst/>
@@ -9133,6 +9108,57 @@
               </a:lnSpc>
             </a:pPr>
             <a:r>
+              <a:rPr b="0" lang="uk-UA" sz="4600" spc="-1" strike="noStrike">
+                <a:solidFill>
+                  <a:srgbClr val="ffffff"/>
+                </a:solidFill>
+                <a:latin typeface="Arial"/>
+                <a:ea typeface="DejaVu Sans"/>
+              </a:rPr>
+              <a:t>Принципи SOLID</a:t>
+            </a:r>
+            <a:endParaRPr b="0" lang="uk-UA" sz="4600" spc="-1" strike="noStrike">
+              <a:latin typeface="Arial"/>
+            </a:endParaRPr>
+          </a:p>
+        </p:txBody>
+      </p:sp>
+      <p:sp>
+        <p:nvSpPr>
+          <p:cNvPr id="244" name="CustomShape 2"/>
+          <p:cNvSpPr/>
+          <p:nvPr/>
+        </p:nvSpPr>
+        <p:spPr>
+          <a:xfrm>
+            <a:off x="720720" y="1274760"/>
+            <a:ext cx="10654920" cy="4340880"/>
+          </a:xfrm>
+          <a:prstGeom prst="rect">
+            <a:avLst/>
+          </a:prstGeom>
+          <a:noFill/>
+          <a:ln>
+            <a:noFill/>
+          </a:ln>
+        </p:spPr>
+        <p:style>
+          <a:lnRef idx="0"/>
+          <a:fillRef idx="0"/>
+          <a:effectRef idx="0"/>
+          <a:fontRef idx="minor"/>
+        </p:style>
+        <p:txBody>
+          <a:bodyPr lIns="90000" rIns="90000" tIns="45000" bIns="45000">
+            <a:noAutofit/>
+          </a:bodyPr>
+          <a:p>
+            <a:pPr algn="just">
+              <a:lnSpc>
+                <a:spcPct val="100000"/>
+              </a:lnSpc>
+            </a:pPr>
+            <a:r>
               <a:rPr b="0" lang="uk-UA" sz="3000" spc="-1" strike="noStrike">
                 <a:solidFill>
                   <a:srgbClr val="ffffff"/>
@@ -9140,8 +9166,98 @@
                 <a:latin typeface="Arial"/>
                 <a:ea typeface="DejaVu Sans"/>
               </a:rPr>
-              <a:t>Рефакторинг слід робити обережно і невеликими шматками, щоб ви не зіпсували одну частину, намагаючись виправити іншу. Покроково перегляньте кожен рядок коду. Робіть це повільно, і ваш код ставатиме кращим.</a:t>
-            </a:r>
+              <a:t> </a:t>
+            </a:r>
+            <a:r>
+              <a:rPr b="1" lang="uk-UA" sz="3000" spc="-1" strike="noStrike">
+                <a:solidFill>
+                  <a:srgbClr val="ffffff"/>
+                </a:solidFill>
+                <a:latin typeface="Arial"/>
+                <a:ea typeface="DejaVu Sans"/>
+              </a:rPr>
+              <a:t> </a:t>
+            </a:r>
+            <a:r>
+              <a:rPr b="1" lang="uk-UA" sz="3000" spc="-1" strike="noStrike">
+                <a:solidFill>
+                  <a:srgbClr val="ffffff"/>
+                </a:solidFill>
+                <a:latin typeface="Arial"/>
+                <a:ea typeface="DejaVu Sans"/>
+              </a:rPr>
+              <a:t>SOLID</a:t>
+            </a:r>
+            <a:r>
+              <a:rPr b="0" lang="uk-UA" sz="3000" spc="-1" strike="noStrike">
+                <a:solidFill>
+                  <a:srgbClr val="ffffff"/>
+                </a:solidFill>
+                <a:latin typeface="Arial"/>
+                <a:ea typeface="DejaVu Sans"/>
+              </a:rPr>
+              <a:t> — це абревіатура складена з перших літер п'яти базових принципів об'єктно-орієнтованого програмування та дизайну запропонована Робертом Мартіном. </a:t>
+            </a:r>
+            <a:endParaRPr b="0" lang="uk-UA" sz="3000" spc="-1" strike="noStrike">
+              <a:latin typeface="Arial"/>
+            </a:endParaRPr>
+          </a:p>
+          <a:p>
+            <a:pPr algn="just">
+              <a:lnSpc>
+                <a:spcPct val="100000"/>
+              </a:lnSpc>
+            </a:pPr>
+            <a:r>
+              <a:rPr b="0" lang="uk-UA" sz="3000" spc="-1" strike="noStrike">
+                <a:solidFill>
+                  <a:srgbClr val="ffffff"/>
+                </a:solidFill>
+                <a:latin typeface="Arial"/>
+                <a:ea typeface="DejaVu Sans"/>
+              </a:rPr>
+              <a:t> </a:t>
+            </a:r>
+            <a:r>
+              <a:rPr b="0" lang="uk-UA" sz="3000" spc="-1" strike="noStrike">
+                <a:solidFill>
+                  <a:srgbClr val="ffffff"/>
+                </a:solidFill>
+                <a:latin typeface="Arial"/>
+                <a:ea typeface="DejaVu Sans"/>
+              </a:rPr>
+              <a:t>Принципи SOLID використовуються для дизайну та розробки таких програмних систем, які, з великою ймовірністю, зможуть тривалий час розвиватися, розширятися і підтримуватися. </a:t>
+            </a:r>
+            <a:endParaRPr b="0" lang="uk-UA" sz="3000" spc="-1" strike="noStrike">
+              <a:latin typeface="Arial"/>
+            </a:endParaRPr>
+          </a:p>
+          <a:p>
+            <a:pPr algn="just">
+              <a:lnSpc>
+                <a:spcPct val="100000"/>
+              </a:lnSpc>
+            </a:pPr>
+            <a:endParaRPr b="0" lang="uk-UA" sz="3000" spc="-1" strike="noStrike">
+              <a:latin typeface="Arial"/>
+            </a:endParaRPr>
+          </a:p>
+          <a:p>
+            <a:pPr algn="just">
+              <a:lnSpc>
+                <a:spcPct val="100000"/>
+              </a:lnSpc>
+            </a:pPr>
+            <a:endParaRPr b="0" lang="uk-UA" sz="3000" spc="-1" strike="noStrike">
+              <a:latin typeface="Arial"/>
+            </a:endParaRPr>
+          </a:p>
+          <a:p>
+            <a:pPr algn="just">
+              <a:lnSpc>
+                <a:spcPct val="100000"/>
+              </a:lnSpc>
+            </a:pPr>
             <a:endParaRPr b="0" lang="uk-UA" sz="3000" spc="-1" strike="noStrike">
               <a:latin typeface="Arial"/>
             </a:endParaRPr>
@@ -9180,14 +9296,14 @@
       </p:grpSpPr>
       <p:sp>
         <p:nvSpPr>
-          <p:cNvPr id="244" name="CustomShape 1"/>
+          <p:cNvPr id="245" name="CustomShape 1"/>
           <p:cNvSpPr/>
           <p:nvPr/>
         </p:nvSpPr>
         <p:spPr>
           <a:xfrm>
-            <a:off x="3528000" y="504000"/>
-            <a:ext cx="6479280" cy="741960"/>
+            <a:off x="720000" y="720000"/>
+            <a:ext cx="10798920" cy="345240"/>
           </a:xfrm>
           <a:prstGeom prst="rect">
             <a:avLst/>
@@ -9203,42 +9319,17 @@
           <a:effectRef idx="0"/>
           <a:fontRef idx="minor"/>
         </p:style>
-        <p:txBody>
-          <a:bodyPr lIns="90000" rIns="90000" tIns="45000" bIns="45000">
-            <a:noAutofit/>
-          </a:bodyPr>
-          <a:p>
-            <a:pPr>
-              <a:lnSpc>
-                <a:spcPct val="100000"/>
-              </a:lnSpc>
-            </a:pPr>
-            <a:r>
-              <a:rPr b="0" lang="uk-UA" sz="4600" spc="-1" strike="noStrike">
-                <a:solidFill>
-                  <a:srgbClr val="ffffff"/>
-                </a:solidFill>
-                <a:latin typeface="Arial"/>
-                <a:ea typeface="DejaVu Sans"/>
-              </a:rPr>
-              <a:t>Принципи SOLID</a:t>
-            </a:r>
-            <a:endParaRPr b="0" lang="uk-UA" sz="4600" spc="-1" strike="noStrike">
-              <a:latin typeface="Arial"/>
-            </a:endParaRPr>
-          </a:p>
-        </p:txBody>
-      </p:sp>
-      <p:sp>
-        <p:nvSpPr>
-          <p:cNvPr id="245" name="CustomShape 2"/>
+      </p:sp>
+      <p:sp>
+        <p:nvSpPr>
+          <p:cNvPr id="246" name="CustomShape 2"/>
           <p:cNvSpPr/>
           <p:nvPr/>
         </p:nvSpPr>
         <p:spPr>
           <a:xfrm>
-            <a:off x="720720" y="1274760"/>
-            <a:ext cx="10655280" cy="4341240"/>
+            <a:off x="720000" y="221400"/>
+            <a:ext cx="10798920" cy="5616360"/>
           </a:xfrm>
           <a:prstGeom prst="rect">
             <a:avLst/>
@@ -9264,47 +9355,7 @@
                 <a:spcPct val="100000"/>
               </a:lnSpc>
             </a:pPr>
-            <a:r>
-              <a:rPr b="0" lang="uk-UA" sz="3000" spc="-1" strike="noStrike">
-                <a:solidFill>
-                  <a:srgbClr val="ffffff"/>
-                </a:solidFill>
-                <a:latin typeface="Arial"/>
-                <a:ea typeface="DejaVu Sans"/>
-              </a:rPr>
-              <a:t> </a:t>
-            </a:r>
-            <a:r>
-              <a:rPr b="1" lang="uk-UA" sz="3000" spc="-1" strike="noStrike">
-                <a:solidFill>
-                  <a:srgbClr val="ffffff"/>
-                </a:solidFill>
-                <a:latin typeface="Arial"/>
-                <a:ea typeface="DejaVu Sans"/>
-              </a:rPr>
-              <a:t> </a:t>
-            </a:r>
-            <a:r>
-              <a:rPr b="1" lang="uk-UA" sz="3000" spc="-1" strike="noStrike">
-                <a:solidFill>
-                  <a:srgbClr val="ffffff"/>
-                </a:solidFill>
-                <a:latin typeface="Arial"/>
-                <a:ea typeface="DejaVu Sans"/>
-              </a:rPr>
-              <a:t>SOLID</a:t>
-            </a:r>
-            <a:r>
-              <a:rPr b="0" lang="uk-UA" sz="3000" spc="-1" strike="noStrike">
-                <a:solidFill>
-                  <a:srgbClr val="ffffff"/>
-                </a:solidFill>
-                <a:latin typeface="Arial"/>
-                <a:ea typeface="DejaVu Sans"/>
-              </a:rPr>
-              <a:t> — це абревіатура складена з перших літер п'яти базових принципів об'єктно-орієнтованого програмування та дизайну запропонована Робертом Мартіном. </a:t>
-            </a:r>
-            <a:endParaRPr b="0" lang="uk-UA" sz="3000" spc="-1" strike="noStrike">
+            <a:endParaRPr b="0" lang="uk-UA" sz="1800" spc="-1" strike="noStrike">
               <a:latin typeface="Arial"/>
             </a:endParaRPr>
           </a:p>
@@ -9315,6 +9366,36 @@
               </a:lnSpc>
             </a:pPr>
             <a:r>
+              <a:rPr b="1" lang="uk-UA" sz="3000" spc="-1" strike="noStrike">
+                <a:solidFill>
+                  <a:srgbClr val="ffffff"/>
+                </a:solidFill>
+                <a:latin typeface="Arial"/>
+                <a:ea typeface="DejaVu Sans"/>
+              </a:rPr>
+              <a:t> </a:t>
+            </a:r>
+            <a:r>
+              <a:rPr b="1" lang="uk-UA" sz="4600" spc="-1" strike="noStrike">
+                <a:solidFill>
+                  <a:srgbClr val="ffffff"/>
+                </a:solidFill>
+                <a:latin typeface="Arial"/>
+                <a:ea typeface="DejaVu Sans"/>
+              </a:rPr>
+              <a:t>S</a:t>
+            </a:r>
+            <a:r>
+              <a:rPr b="1" lang="uk-UA" sz="3000" spc="-1" strike="noStrike">
+                <a:solidFill>
+                  <a:srgbClr val="ffffff"/>
+                </a:solidFill>
+                <a:latin typeface="Arial"/>
+                <a:ea typeface="DejaVu Sans"/>
+              </a:rPr>
+              <a:t> - Принцип єдиного обов'язку</a:t>
+            </a:r>
+            <a:r>
               <a:rPr b="0" lang="uk-UA" sz="3000" spc="-1" strike="noStrike">
                 <a:solidFill>
                   <a:srgbClr val="ffffff"/>
@@ -9322,48 +9403,8 @@
                 <a:latin typeface="Arial"/>
                 <a:ea typeface="DejaVu Sans"/>
               </a:rPr>
-              <a:t> </a:t>
-            </a:r>
-            <a:r>
-              <a:rPr b="0" lang="uk-UA" sz="3000" spc="-1" strike="noStrike">
-                <a:solidFill>
-                  <a:srgbClr val="ffffff"/>
-                </a:solidFill>
-                <a:latin typeface="Arial"/>
-                <a:ea typeface="DejaVu Sans"/>
-              </a:rPr>
-              <a:t>Принципи SOLID використовуються для дизайну та розробки таких програмних систем, які, з великою ймовірністю, зможуть тривалий час розвиватися, розширятися і підтримуватися. </a:t>
-            </a:r>
-            <a:endParaRPr b="0" lang="uk-UA" sz="3000" spc="-1" strike="noStrike">
-              <a:latin typeface="Arial"/>
-            </a:endParaRPr>
-          </a:p>
-          <a:p>
-            <a:pPr algn="just">
-              <a:lnSpc>
-                <a:spcPct val="100000"/>
-              </a:lnSpc>
-            </a:pPr>
-            <a:endParaRPr b="0" lang="uk-UA" sz="3000" spc="-1" strike="noStrike">
-              <a:latin typeface="Arial"/>
-            </a:endParaRPr>
-          </a:p>
-          <a:p>
-            <a:pPr algn="just">
-              <a:lnSpc>
-                <a:spcPct val="100000"/>
-              </a:lnSpc>
-            </a:pPr>
-            <a:endParaRPr b="0" lang="uk-UA" sz="3000" spc="-1" strike="noStrike">
-              <a:latin typeface="Arial"/>
-            </a:endParaRPr>
-          </a:p>
-          <a:p>
-            <a:pPr algn="just">
-              <a:lnSpc>
-                <a:spcPct val="100000"/>
-              </a:lnSpc>
-            </a:pPr>
+              <a:t> (англ. Single Responsibility Principle, SRP) —  Кожен програмний модуль має одну і лише одну причину зміни. Оскільки програмні системи змінюються з урахуванням потреб користувачів та задоволення зацікавлених сторін, тому ми можемо переформулювати принцип так: « Кожен модуль повинен нести відповідальність перед одним і лише одним користувачем чи зацікавленою стороною » .              Припустимо в нас є об’єкт Employee, він має три функції: calcuPay (), reportHours () та save ().</a:t>
+            </a:r>
             <a:endParaRPr b="0" lang="uk-UA" sz="3000" spc="-1" strike="noStrike">
               <a:latin typeface="Arial"/>
             </a:endParaRPr>
@@ -9400,16 +9441,39 @@
           <a:chExt cx="0" cy="0"/>
         </a:xfrm>
       </p:grpSpPr>
-      <p:sp>
-        <p:nvSpPr>
-          <p:cNvPr id="246" name="CustomShape 1"/>
+      <p:pic>
+        <p:nvPicPr>
+          <p:cNvPr id="247" name="" descr=""/>
+          <p:cNvPicPr/>
+          <p:nvPr/>
+        </p:nvPicPr>
+        <p:blipFill>
+          <a:blip r:embed="rId1"/>
+          <a:stretch/>
+        </p:blipFill>
+        <p:spPr>
+          <a:xfrm>
+            <a:off x="709920" y="792000"/>
+            <a:ext cx="5193720" cy="5193720"/>
+          </a:xfrm>
+          <a:prstGeom prst="rect">
+            <a:avLst/>
+          </a:prstGeom>
+          <a:ln>
+            <a:noFill/>
+          </a:ln>
+        </p:spPr>
+      </p:pic>
+      <p:sp>
+        <p:nvSpPr>
+          <p:cNvPr id="248" name="CustomShape 1"/>
           <p:cNvSpPr/>
           <p:nvPr/>
         </p:nvSpPr>
         <p:spPr>
           <a:xfrm>
-            <a:off x="720000" y="720000"/>
-            <a:ext cx="10799280" cy="345600"/>
+            <a:off x="6048000" y="864000"/>
+            <a:ext cx="6262920" cy="4052880"/>
           </a:xfrm>
           <a:prstGeom prst="rect">
             <a:avLst/>
@@ -9425,93 +9489,127 @@
           <a:effectRef idx="0"/>
           <a:fontRef idx="minor"/>
         </p:style>
-      </p:sp>
-      <p:sp>
-        <p:nvSpPr>
-          <p:cNvPr id="247" name="CustomShape 2"/>
-          <p:cNvSpPr/>
-          <p:nvPr/>
-        </p:nvSpPr>
-        <p:spPr>
-          <a:xfrm>
-            <a:off x="720000" y="221400"/>
-            <a:ext cx="10799280" cy="5616720"/>
-          </a:xfrm>
-          <a:prstGeom prst="rect">
-            <a:avLst/>
-          </a:prstGeom>
-          <a:noFill/>
-          <a:ln>
-            <a:noFill/>
-          </a:ln>
-        </p:spPr>
-        <p:style>
-          <a:lnRef idx="0"/>
-          <a:fillRef idx="0"/>
-          <a:effectRef idx="0"/>
-          <a:fontRef idx="minor"/>
-        </p:style>
         <p:txBody>
           <a:bodyPr lIns="90000" rIns="90000" tIns="45000" bIns="45000">
             <a:noAutofit/>
           </a:bodyPr>
           <a:p>
-            <a:pPr algn="just">
+            <a:pPr>
               <a:lnSpc>
                 <a:spcPct val="100000"/>
               </a:lnSpc>
             </a:pPr>
-            <a:endParaRPr b="0" lang="uk-UA" sz="1800" spc="-1" strike="noStrike">
-              <a:latin typeface="Arial"/>
-            </a:endParaRPr>
-          </a:p>
-          <a:p>
-            <a:pPr algn="just">
+            <a:r>
+              <a:rPr b="0" lang="uk-UA" sz="2800" spc="-1" strike="noStrike">
+                <a:solidFill>
+                  <a:srgbClr val="ffffff"/>
+                </a:solidFill>
+                <a:latin typeface="Arial"/>
+                <a:ea typeface="DejaVu Sans"/>
+              </a:rPr>
+              <a:t>Така структура порушує SRP,</a:t>
+            </a:r>
+            <a:endParaRPr b="0" lang="uk-UA" sz="2800" spc="-1" strike="noStrike">
+              <a:latin typeface="Arial"/>
+            </a:endParaRPr>
+          </a:p>
+          <a:p>
+            <a:pPr>
               <a:lnSpc>
                 <a:spcPct val="100000"/>
               </a:lnSpc>
             </a:pPr>
             <a:r>
-              <a:rPr b="1" lang="uk-UA" sz="3000" spc="-1" strike="noStrike">
+              <a:rPr b="0" lang="uk-UA" sz="2800" spc="-1" strike="noStrike">
                 <a:solidFill>
                   <a:srgbClr val="ffffff"/>
                 </a:solidFill>
                 <a:latin typeface="Arial"/>
                 <a:ea typeface="DejaVu Sans"/>
               </a:rPr>
-              <a:t> </a:t>
-            </a:r>
-            <a:r>
-              <a:rPr b="1" lang="uk-UA" sz="4600" spc="-1" strike="noStrike">
+              <a:t>оскільки:</a:t>
+            </a:r>
+            <a:endParaRPr b="0" lang="uk-UA" sz="2800" spc="-1" strike="noStrike">
+              <a:latin typeface="Arial"/>
+            </a:endParaRPr>
+          </a:p>
+          <a:p>
+            <a:pPr>
+              <a:lnSpc>
+                <a:spcPct val="100000"/>
+              </a:lnSpc>
+            </a:pPr>
+            <a:r>
+              <a:rPr b="0" lang="uk-UA" sz="2800" spc="-1" strike="noStrike">
                 <a:solidFill>
                   <a:srgbClr val="ffffff"/>
                 </a:solidFill>
                 <a:latin typeface="Arial"/>
                 <a:ea typeface="DejaVu Sans"/>
               </a:rPr>
-              <a:t>S</a:t>
-            </a:r>
-            <a:r>
-              <a:rPr b="1" lang="uk-UA" sz="3000" spc="-1" strike="noStrike">
+              <a:t>- calculatePay () відповідає за               бухгалтерію</a:t>
+            </a:r>
+            <a:endParaRPr b="0" lang="uk-UA" sz="2800" spc="-1" strike="noStrike">
+              <a:latin typeface="Arial"/>
+            </a:endParaRPr>
+          </a:p>
+          <a:p>
+            <a:pPr>
+              <a:lnSpc>
+                <a:spcPct val="100000"/>
+              </a:lnSpc>
+            </a:pPr>
+            <a:r>
+              <a:rPr b="0" lang="uk-UA" sz="2800" spc="-1" strike="noStrike">
                 <a:solidFill>
                   <a:srgbClr val="ffffff"/>
                 </a:solidFill>
                 <a:latin typeface="Arial"/>
                 <a:ea typeface="DejaVu Sans"/>
               </a:rPr>
-              <a:t> - Принцип єдиного обов'язку</a:t>
-            </a:r>
-            <a:r>
-              <a:rPr b="0" lang="uk-UA" sz="3000" spc="-1" strike="noStrike">
+              <a:t>- reportHours () використовується          відділом кадрів</a:t>
+            </a:r>
+            <a:endParaRPr b="0" lang="uk-UA" sz="2800" spc="-1" strike="noStrike">
+              <a:latin typeface="Arial"/>
+            </a:endParaRPr>
+          </a:p>
+          <a:p>
+            <a:pPr>
+              <a:lnSpc>
+                <a:spcPct val="100000"/>
+              </a:lnSpc>
+            </a:pPr>
+            <a:r>
+              <a:rPr b="0" lang="uk-UA" sz="2800" spc="-1" strike="noStrike">
                 <a:solidFill>
                   <a:srgbClr val="ffffff"/>
                 </a:solidFill>
                 <a:latin typeface="Arial"/>
                 <a:ea typeface="DejaVu Sans"/>
               </a:rPr>
-              <a:t> (англ. Single Responsibility Principle, SRP) —  Кожен програмний модуль має одну і лише одну причину зміни. Оскільки програмні системи змінюються з урахуванням потреб користувачів та задоволення зацікавлених сторін, тому ми можемо переформулювати принцип так: « Кожен модуль повинен нести відповідальність перед одним і лише одним користувачем чи зацікавленою стороною » . Але, швидше за все, буде більше одного користувача або зацікавленої сторони, які хочуть, щоб система змінилася однаково.             Припустимо в нас є об’єкт Employee, він має три функції: calcuPay (), reportHours () та save ().</a:t>
-            </a:r>
-            <a:endParaRPr b="0" lang="uk-UA" sz="3000" spc="-1" strike="noStrike">
+              <a:t>- save () визначається                            адміністраторами баз даних</a:t>
+            </a:r>
+            <a:endParaRPr b="0" lang="uk-UA" sz="2800" spc="-1" strike="noStrike">
+              <a:latin typeface="Arial"/>
+            </a:endParaRPr>
+          </a:p>
+          <a:p>
+            <a:pPr>
+              <a:lnSpc>
+                <a:spcPct val="100000"/>
+              </a:lnSpc>
+            </a:pPr>
+            <a:r>
+              <a:rPr b="0" lang="uk-UA" sz="2800" spc="-1" strike="noStrike">
+                <a:solidFill>
+                  <a:srgbClr val="ffffff"/>
+                </a:solidFill>
+                <a:latin typeface="Arial"/>
+                <a:ea typeface="DejaVu Sans"/>
+              </a:rPr>
+              <a:t>Щоб уникнути цієї проблеми потрібно відокремити код</a:t>
+            </a:r>
+            <a:endParaRPr b="0" lang="uk-UA" sz="2800" spc="-1" strike="noStrike">
               <a:latin typeface="Arial"/>
             </a:endParaRPr>
           </a:p>
@@ -9549,7 +9647,7 @@
       </p:grpSpPr>
       <p:pic>
         <p:nvPicPr>
-          <p:cNvPr id="248" name="" descr=""/>
+          <p:cNvPr id="249" name="" descr=""/>
           <p:cNvPicPr/>
           <p:nvPr/>
         </p:nvPicPr>
@@ -9559,8 +9657,8 @@
         </p:blipFill>
         <p:spPr>
           <a:xfrm>
-            <a:off x="709920" y="792000"/>
-            <a:ext cx="5194080" cy="5194080"/>
+            <a:off x="792000" y="793440"/>
+            <a:ext cx="4032000" cy="2059560"/>
           </a:xfrm>
           <a:prstGeom prst="rect">
             <a:avLst/>
@@ -9570,157 +9668,75 @@
           </a:ln>
         </p:spPr>
       </p:pic>
-      <p:sp>
-        <p:nvSpPr>
-          <p:cNvPr id="249" name="CustomShape 1"/>
-          <p:cNvSpPr/>
+      <p:pic>
+        <p:nvPicPr>
+          <p:cNvPr id="250" name="" descr=""/>
+          <p:cNvPicPr/>
           <p:nvPr/>
-        </p:nvSpPr>
-        <p:spPr>
-          <a:xfrm>
-            <a:off x="6048000" y="864000"/>
-            <a:ext cx="6263280" cy="4053240"/>
-          </a:xfrm>
-          <a:prstGeom prst="rect">
-            <a:avLst/>
-          </a:prstGeom>
-          <a:noFill/>
+        </p:nvPicPr>
+        <p:blipFill>
+          <a:blip r:embed="rId2"/>
+          <a:stretch/>
+        </p:blipFill>
+        <p:spPr>
+          <a:xfrm>
+            <a:off x="5472000" y="763200"/>
+            <a:ext cx="4093200" cy="2044800"/>
+          </a:xfrm>
+          <a:prstGeom prst="rect">
+            <a:avLst/>
+          </a:prstGeom>
           <a:ln>
             <a:noFill/>
           </a:ln>
         </p:spPr>
-        <p:style>
-          <a:lnRef idx="0"/>
-          <a:fillRef idx="0"/>
-          <a:effectRef idx="0"/>
-          <a:fontRef idx="minor"/>
-        </p:style>
-        <p:txBody>
-          <a:bodyPr lIns="90000" rIns="90000" tIns="45000" bIns="45000">
-            <a:noAutofit/>
-          </a:bodyPr>
-          <a:p>
-            <a:pPr>
-              <a:lnSpc>
-                <a:spcPct val="100000"/>
-              </a:lnSpc>
-            </a:pPr>
-            <a:r>
-              <a:rPr b="0" lang="uk-UA" sz="2800" spc="-1" strike="noStrike">
-                <a:solidFill>
-                  <a:srgbClr val="ffffff"/>
-                </a:solidFill>
-                <a:latin typeface="Arial"/>
-                <a:ea typeface="DejaVu Sans"/>
-              </a:rPr>
-              <a:t>Така структура порушує SRP,</a:t>
-            </a:r>
-            <a:endParaRPr b="0" lang="uk-UA" sz="2800" spc="-1" strike="noStrike">
-              <a:latin typeface="Arial"/>
-            </a:endParaRPr>
-          </a:p>
-          <a:p>
-            <a:pPr>
-              <a:lnSpc>
-                <a:spcPct val="100000"/>
-              </a:lnSpc>
-            </a:pPr>
-            <a:r>
-              <a:rPr b="0" lang="uk-UA" sz="2800" spc="-1" strike="noStrike">
-                <a:solidFill>
-                  <a:srgbClr val="ffffff"/>
-                </a:solidFill>
-                <a:latin typeface="Arial"/>
-                <a:ea typeface="DejaVu Sans"/>
-              </a:rPr>
-              <a:t>оскільки:</a:t>
-            </a:r>
-            <a:endParaRPr b="0" lang="uk-UA" sz="2800" spc="-1" strike="noStrike">
-              <a:latin typeface="Arial"/>
-            </a:endParaRPr>
-          </a:p>
-          <a:p>
-            <a:pPr>
-              <a:lnSpc>
-                <a:spcPct val="100000"/>
-              </a:lnSpc>
-            </a:pPr>
-            <a:r>
-              <a:rPr b="0" lang="uk-UA" sz="2800" spc="-1" strike="noStrike">
-                <a:solidFill>
-                  <a:srgbClr val="ffffff"/>
-                </a:solidFill>
-                <a:latin typeface="Arial"/>
-                <a:ea typeface="DejaVu Sans"/>
-              </a:rPr>
-              <a:t>- calculatePay () відповідає за               бухгалтерію</a:t>
-            </a:r>
-            <a:endParaRPr b="0" lang="uk-UA" sz="2800" spc="-1" strike="noStrike">
-              <a:latin typeface="Arial"/>
-            </a:endParaRPr>
-          </a:p>
-          <a:p>
-            <a:pPr>
-              <a:lnSpc>
-                <a:spcPct val="100000"/>
-              </a:lnSpc>
-            </a:pPr>
-            <a:r>
-              <a:rPr b="0" lang="uk-UA" sz="2800" spc="-1" strike="noStrike">
-                <a:solidFill>
-                  <a:srgbClr val="ffffff"/>
-                </a:solidFill>
-                <a:latin typeface="Arial"/>
-                <a:ea typeface="DejaVu Sans"/>
-              </a:rPr>
-              <a:t>- reportHours () використовується          відділом кадрів</a:t>
-            </a:r>
-            <a:endParaRPr b="0" lang="uk-UA" sz="2800" spc="-1" strike="noStrike">
-              <a:latin typeface="Arial"/>
-            </a:endParaRPr>
-          </a:p>
-          <a:p>
-            <a:pPr>
-              <a:lnSpc>
-                <a:spcPct val="100000"/>
-              </a:lnSpc>
-            </a:pPr>
-            <a:r>
-              <a:rPr b="0" lang="uk-UA" sz="2800" spc="-1" strike="noStrike">
-                <a:solidFill>
-                  <a:srgbClr val="ffffff"/>
-                </a:solidFill>
-                <a:latin typeface="Arial"/>
-                <a:ea typeface="DejaVu Sans"/>
-              </a:rPr>
-              <a:t>- save () визначається                            адміністраторами баз даних</a:t>
-            </a:r>
-            <a:endParaRPr b="0" lang="uk-UA" sz="2800" spc="-1" strike="noStrike">
-              <a:latin typeface="Arial"/>
-            </a:endParaRPr>
-          </a:p>
-          <a:p>
-            <a:pPr>
-              <a:lnSpc>
-                <a:spcPct val="100000"/>
-              </a:lnSpc>
-            </a:pPr>
-            <a:r>
-              <a:rPr b="0" lang="uk-UA" sz="2800" spc="-1" strike="noStrike">
-                <a:solidFill>
-                  <a:srgbClr val="ffffff"/>
-                </a:solidFill>
-                <a:latin typeface="Arial"/>
-                <a:ea typeface="DejaVu Sans"/>
-              </a:rPr>
-              <a:t>Щоб уникнути цієї проблеми потрібно відокремити код</a:t>
-            </a:r>
-            <a:endParaRPr b="0" lang="uk-UA" sz="2800" spc="-1" strike="noStrike">
-              <a:latin typeface="Arial"/>
-            </a:endParaRPr>
-          </a:p>
-        </p:txBody>
-      </p:sp>
+      </p:pic>
+      <p:pic>
+        <p:nvPicPr>
+          <p:cNvPr id="251" name="" descr=""/>
+          <p:cNvPicPr/>
+          <p:nvPr/>
+        </p:nvPicPr>
+        <p:blipFill>
+          <a:blip r:embed="rId3"/>
+          <a:stretch/>
+        </p:blipFill>
+        <p:spPr>
+          <a:xfrm>
+            <a:off x="792000" y="3456000"/>
+            <a:ext cx="4032000" cy="2016000"/>
+          </a:xfrm>
+          <a:prstGeom prst="rect">
+            <a:avLst/>
+          </a:prstGeom>
+          <a:ln>
+            <a:noFill/>
+          </a:ln>
+        </p:spPr>
+      </p:pic>
+      <p:pic>
+        <p:nvPicPr>
+          <p:cNvPr id="252" name="" descr=""/>
+          <p:cNvPicPr/>
+          <p:nvPr/>
+        </p:nvPicPr>
+        <p:blipFill>
+          <a:blip r:embed="rId4"/>
+          <a:stretch/>
+        </p:blipFill>
+        <p:spPr>
+          <a:xfrm>
+            <a:off x="5544000" y="3456720"/>
+            <a:ext cx="3960000" cy="1979640"/>
+          </a:xfrm>
+          <a:prstGeom prst="rect">
+            <a:avLst/>
+          </a:prstGeom>
+          <a:ln>
+            <a:noFill/>
+          </a:ln>
+        </p:spPr>
+      </p:pic>
     </p:spTree>
   </p:cSld>
   <mc:AlternateContent>
@@ -9760,7 +9776,7 @@
         <p:spPr>
           <a:xfrm>
             <a:off x="720000" y="720000"/>
-            <a:ext cx="10799280" cy="601560"/>
+            <a:ext cx="10798920" cy="601200"/>
           </a:xfrm>
           <a:prstGeom prst="rect">
             <a:avLst/>
@@ -9811,7 +9827,7 @@
         <p:spPr>
           <a:xfrm>
             <a:off x="1008720" y="1694520"/>
-            <a:ext cx="10799280" cy="1113480"/>
+            <a:ext cx="10798920" cy="1113120"/>
           </a:xfrm>
           <a:prstGeom prst="rect">
             <a:avLst/>
@@ -9872,7 +9888,7 @@
         <p:spPr>
           <a:xfrm>
             <a:off x="720000" y="3096000"/>
-            <a:ext cx="10799280" cy="601560"/>
+            <a:ext cx="10798920" cy="601200"/>
           </a:xfrm>
           <a:prstGeom prst="rect">
             <a:avLst/>
@@ -9943,7 +9959,7 @@
         <p:spPr>
           <a:xfrm>
             <a:off x="720000" y="4509720"/>
-            <a:ext cx="10799280" cy="601560"/>
+            <a:ext cx="10798920" cy="601200"/>
           </a:xfrm>
           <a:prstGeom prst="rect">
             <a:avLst/>
@@ -10057,7 +10073,7 @@
       </p:grpSpPr>
       <p:pic>
         <p:nvPicPr>
-          <p:cNvPr id="250" name="" descr=""/>
+          <p:cNvPr id="253" name="" descr=""/>
           <p:cNvPicPr/>
           <p:nvPr/>
         </p:nvPicPr>
@@ -10067,8 +10083,8 @@
         </p:blipFill>
         <p:spPr>
           <a:xfrm>
-            <a:off x="792000" y="720000"/>
-            <a:ext cx="10008000" cy="5112000"/>
+            <a:off x="2289960" y="741240"/>
+            <a:ext cx="7138080" cy="5377680"/>
           </a:xfrm>
           <a:prstGeom prst="rect">
             <a:avLst/>
@@ -10108,29 +10124,113 @@
           <a:chExt cx="0" cy="0"/>
         </a:xfrm>
       </p:grpSpPr>
-      <p:pic>
-        <p:nvPicPr>
-          <p:cNvPr id="251" name="" descr=""/>
-          <p:cNvPicPr/>
+      <p:sp>
+        <p:nvSpPr>
+          <p:cNvPr id="254" name="CustomShape 1"/>
+          <p:cNvSpPr/>
           <p:nvPr/>
-        </p:nvPicPr>
-        <p:blipFill>
-          <a:blip r:embed="rId1"/>
-          <a:stretch/>
-        </p:blipFill>
-        <p:spPr>
-          <a:xfrm>
-            <a:off x="720000" y="720000"/>
-            <a:ext cx="10079280" cy="4858200"/>
-          </a:xfrm>
-          <a:prstGeom prst="rect">
-            <a:avLst/>
-          </a:prstGeom>
+        </p:nvSpPr>
+        <p:spPr>
+          <a:xfrm>
+            <a:off x="720000" y="792000"/>
+            <a:ext cx="10006920" cy="2442240"/>
+          </a:xfrm>
+          <a:prstGeom prst="rect">
+            <a:avLst/>
+          </a:prstGeom>
+          <a:noFill/>
           <a:ln>
             <a:noFill/>
           </a:ln>
         </p:spPr>
-      </p:pic>
+        <p:style>
+          <a:lnRef idx="0"/>
+          <a:fillRef idx="0"/>
+          <a:effectRef idx="0"/>
+          <a:fontRef idx="minor"/>
+        </p:style>
+      </p:sp>
+      <p:sp>
+        <p:nvSpPr>
+          <p:cNvPr id="255" name="CustomShape 2"/>
+          <p:cNvSpPr/>
+          <p:nvPr/>
+        </p:nvSpPr>
+        <p:spPr>
+          <a:xfrm>
+            <a:off x="576720" y="288000"/>
+            <a:ext cx="10798920" cy="6268680"/>
+          </a:xfrm>
+          <a:prstGeom prst="rect">
+            <a:avLst/>
+          </a:prstGeom>
+          <a:noFill/>
+          <a:ln>
+            <a:noFill/>
+          </a:ln>
+        </p:spPr>
+        <p:style>
+          <a:lnRef idx="0"/>
+          <a:fillRef idx="0"/>
+          <a:effectRef idx="0"/>
+          <a:fontRef idx="minor"/>
+        </p:style>
+        <p:txBody>
+          <a:bodyPr lIns="90000" rIns="90000" tIns="45000" bIns="45000">
+            <a:noAutofit/>
+          </a:bodyPr>
+          <a:p>
+            <a:pPr algn="just">
+              <a:lnSpc>
+                <a:spcPct val="100000"/>
+              </a:lnSpc>
+            </a:pPr>
+            <a:r>
+              <a:rPr b="1" lang="uk-UA" sz="4600" spc="-1" strike="noStrike">
+                <a:solidFill>
+                  <a:srgbClr val="ffffff"/>
+                </a:solidFill>
+                <a:latin typeface="Arial"/>
+                <a:ea typeface="DejaVu Sans"/>
+              </a:rPr>
+              <a:t>O</a:t>
+            </a:r>
+            <a:r>
+              <a:rPr b="1" lang="uk-UA" sz="3000" spc="-1" strike="noStrike">
+                <a:solidFill>
+                  <a:srgbClr val="ffffff"/>
+                </a:solidFill>
+                <a:latin typeface="Arial"/>
+                <a:ea typeface="DejaVu Sans"/>
+              </a:rPr>
+              <a:t> </a:t>
+            </a:r>
+            <a:r>
+              <a:rPr b="0" lang="uk-UA" sz="3000" spc="-1" strike="noStrike">
+                <a:solidFill>
+                  <a:srgbClr val="ffffff"/>
+                </a:solidFill>
+                <a:latin typeface="Arial"/>
+                <a:ea typeface="DejaVu Sans"/>
+              </a:rPr>
+              <a:t>- Принцип відкритості/закритості (англ. Open Closed Principle, OCP) — важливий принцип об'єктно-орієнтованого програмування, який означає, що «програмні сутності, такі як класи, модулі, функції, методи та ін. мають бути відкритими для розширення та закритими для змін». Це означає, що вони можуть надавати можливість змінювати свою поведінку без або з мінімальними змінами коду. Нехай припустимо, що кожен працівник має свою професію і надає привілеї. Але як бути, якщо ми введемо нову професію у систему і не змінимо існуючі речі. Тож ми можемо зробити, як показано в прикладі нижче, щоб зробити так, щоб він пройшов OCP.</a:t>
+            </a:r>
+            <a:endParaRPr b="0" lang="uk-UA" sz="3000" spc="-1" strike="noStrike">
+              <a:latin typeface="Arial"/>
+            </a:endParaRPr>
+          </a:p>
+          <a:p>
+            <a:pPr algn="just">
+              <a:lnSpc>
+                <a:spcPct val="100000"/>
+              </a:lnSpc>
+            </a:pPr>
+            <a:endParaRPr b="0" lang="uk-UA" sz="3000" spc="-1" strike="noStrike">
+              <a:latin typeface="Arial"/>
+            </a:endParaRPr>
+          </a:p>
+        </p:txBody>
+      </p:sp>
     </p:spTree>
   </p:cSld>
   <mc:AlternateContent>
@@ -10163,7 +10263,7 @@
       </p:grpSpPr>
       <p:pic>
         <p:nvPicPr>
-          <p:cNvPr id="252" name="" descr=""/>
+          <p:cNvPr id="256" name="" descr=""/>
           <p:cNvPicPr/>
           <p:nvPr/>
         </p:nvPicPr>
@@ -10173,8 +10273,8 @@
         </p:blipFill>
         <p:spPr>
           <a:xfrm>
-            <a:off x="720000" y="720000"/>
-            <a:ext cx="10080000" cy="5040000"/>
+            <a:off x="1368000" y="648000"/>
+            <a:ext cx="9430920" cy="5110920"/>
           </a:xfrm>
           <a:prstGeom prst="rect">
             <a:avLst/>
@@ -10214,9 +10314,70 @@
           <a:chExt cx="0" cy="0"/>
         </a:xfrm>
       </p:grpSpPr>
+      <p:sp>
+        <p:nvSpPr>
+          <p:cNvPr id="257" name="CustomShape 1"/>
+          <p:cNvSpPr/>
+          <p:nvPr/>
+        </p:nvSpPr>
+        <p:spPr>
+          <a:xfrm>
+            <a:off x="648000" y="504000"/>
+            <a:ext cx="10870920" cy="2231640"/>
+          </a:xfrm>
+          <a:prstGeom prst="rect">
+            <a:avLst/>
+          </a:prstGeom>
+          <a:noFill/>
+          <a:ln>
+            <a:noFill/>
+          </a:ln>
+        </p:spPr>
+        <p:style>
+          <a:lnRef idx="0"/>
+          <a:fillRef idx="0"/>
+          <a:effectRef idx="0"/>
+          <a:fontRef idx="minor"/>
+        </p:style>
+        <p:txBody>
+          <a:bodyPr lIns="90000" rIns="90000" tIns="45000" bIns="45000">
+            <a:noAutofit/>
+          </a:bodyPr>
+          <a:p>
+            <a:pPr algn="just">
+              <a:lnSpc>
+                <a:spcPct val="100000"/>
+              </a:lnSpc>
+            </a:pPr>
+            <a:r>
+              <a:rPr b="0" lang="uk-UA" sz="3000" spc="-1" strike="noStrike">
+                <a:solidFill>
+                  <a:srgbClr val="ffffff"/>
+                </a:solidFill>
+                <a:latin typeface="Arial"/>
+                <a:ea typeface="DejaVu Sans"/>
+              </a:rPr>
+              <a:t>   </a:t>
+            </a:r>
+            <a:r>
+              <a:rPr b="0" lang="uk-UA" sz="3000" spc="-1" strike="noStrike">
+                <a:solidFill>
+                  <a:srgbClr val="ffffff"/>
+                </a:solidFill>
+                <a:latin typeface="Arial"/>
+                <a:ea typeface="DejaVu Sans"/>
+              </a:rPr>
+              <a:t>Нам не потрібно змінювати існуючий код, а ми можемо розширити його, щоб додати нову роль. OCP є однією з рушійних сил архітектури систем. Мета полягає в тому, щоб зробити систему легкою для розширення, не зазнаючи значного впливу змін.</a:t>
+            </a:r>
+            <a:endParaRPr b="0" lang="uk-UA" sz="3000" spc="-1" strike="noStrike">
+              <a:latin typeface="Arial"/>
+            </a:endParaRPr>
+          </a:p>
+        </p:txBody>
+      </p:sp>
       <p:pic>
         <p:nvPicPr>
-          <p:cNvPr id="253" name="" descr=""/>
+          <p:cNvPr id="258" name="" descr=""/>
           <p:cNvPicPr/>
           <p:nvPr/>
         </p:nvPicPr>
@@ -10226,8 +10387,8 @@
         </p:blipFill>
         <p:spPr>
           <a:xfrm>
-            <a:off x="720000" y="720720"/>
-            <a:ext cx="10080000" cy="5039280"/>
+            <a:off x="1338840" y="3096000"/>
+            <a:ext cx="8380440" cy="3454920"/>
           </a:xfrm>
           <a:prstGeom prst="rect">
             <a:avLst/>
@@ -10267,29 +10428,127 @@
           <a:chExt cx="0" cy="0"/>
         </a:xfrm>
       </p:grpSpPr>
-      <p:pic>
-        <p:nvPicPr>
-          <p:cNvPr id="254" name="" descr=""/>
-          <p:cNvPicPr/>
+      <p:sp>
+        <p:nvSpPr>
+          <p:cNvPr id="259" name="CustomShape 1"/>
+          <p:cNvSpPr/>
           <p:nvPr/>
-        </p:nvPicPr>
-        <p:blipFill>
-          <a:blip r:embed="rId1"/>
-          <a:stretch/>
-        </p:blipFill>
-        <p:spPr>
-          <a:xfrm>
-            <a:off x="2289960" y="741240"/>
-            <a:ext cx="7138440" cy="5378040"/>
-          </a:xfrm>
-          <a:prstGeom prst="rect">
-            <a:avLst/>
-          </a:prstGeom>
+        </p:nvSpPr>
+        <p:spPr>
+          <a:xfrm>
+            <a:off x="648000" y="144000"/>
+            <a:ext cx="11015640" cy="5699520"/>
+          </a:xfrm>
+          <a:prstGeom prst="rect">
+            <a:avLst/>
+          </a:prstGeom>
+          <a:noFill/>
           <a:ln>
             <a:noFill/>
           </a:ln>
         </p:spPr>
-      </p:pic>
+        <p:style>
+          <a:lnRef idx="0"/>
+          <a:fillRef idx="0"/>
+          <a:effectRef idx="0"/>
+          <a:fontRef idx="minor"/>
+        </p:style>
+        <p:txBody>
+          <a:bodyPr lIns="90000" rIns="90000" tIns="45000" bIns="45000">
+            <a:noAutofit/>
+          </a:bodyPr>
+          <a:p>
+            <a:pPr algn="just">
+              <a:lnSpc>
+                <a:spcPct val="100000"/>
+              </a:lnSpc>
+            </a:pPr>
+            <a:r>
+              <a:rPr b="0" lang="uk-UA" sz="4600" spc="-1" strike="noStrike">
+                <a:solidFill>
+                  <a:srgbClr val="ffffff"/>
+                </a:solidFill>
+                <a:latin typeface="Arial"/>
+                <a:ea typeface="DejaVu Sans"/>
+              </a:rPr>
+              <a:t>L</a:t>
+            </a:r>
+            <a:r>
+              <a:rPr b="0" lang="uk-UA" sz="3000" spc="-1" strike="noStrike">
+                <a:solidFill>
+                  <a:srgbClr val="ffffff"/>
+                </a:solidFill>
+                <a:latin typeface="Arial"/>
+                <a:ea typeface="DejaVu Sans"/>
+              </a:rPr>
+              <a:t> - Принцип заміщення Лісков (англ. Liskov Substitution Principle, LSP) - для побудови програмних систем із взаємозамінних деталей ці деталі повинні дотримуватися правила, який дозволяє замінювати ці деталі одну на іншу.  У контексті JavaScript це означає, що:</a:t>
+            </a:r>
+            <a:endParaRPr b="0" lang="uk-UA" sz="3000" spc="-1" strike="noStrike">
+              <a:latin typeface="Arial"/>
+            </a:endParaRPr>
+          </a:p>
+          <a:p>
+            <a:pPr algn="just">
+              <a:lnSpc>
+                <a:spcPct val="100000"/>
+              </a:lnSpc>
+            </a:pPr>
+            <a:r>
+              <a:rPr b="0" lang="uk-UA" sz="3000" spc="-1" strike="noStrike">
+                <a:solidFill>
+                  <a:srgbClr val="ffffff"/>
+                </a:solidFill>
+                <a:latin typeface="Arial"/>
+                <a:ea typeface="DejaVu Sans"/>
+              </a:rPr>
+              <a:t>- Методи підкласу, які замінюють методи базового класу, повинні мати точно стільки ж аргументів.</a:t>
+            </a:r>
+            <a:endParaRPr b="0" lang="uk-UA" sz="3000" spc="-1" strike="noStrike">
+              <a:latin typeface="Arial"/>
+            </a:endParaRPr>
+          </a:p>
+          <a:p>
+            <a:pPr algn="just">
+              <a:lnSpc>
+                <a:spcPct val="100000"/>
+              </a:lnSpc>
+            </a:pPr>
+            <a:r>
+              <a:rPr b="0" lang="uk-UA" sz="3000" spc="-1" strike="noStrike">
+                <a:solidFill>
+                  <a:srgbClr val="ffffff"/>
+                </a:solidFill>
+                <a:latin typeface="Arial"/>
+                <a:ea typeface="DejaVu Sans"/>
+              </a:rPr>
+              <a:t>- Кожен аргумент та тип повернення перевизначеного методу повинен бути того самого типу, що і в методі базового класу.</a:t>
+            </a:r>
+            <a:endParaRPr b="0" lang="uk-UA" sz="3000" spc="-1" strike="noStrike">
+              <a:latin typeface="Arial"/>
+            </a:endParaRPr>
+          </a:p>
+          <a:p>
+            <a:pPr algn="just">
+              <a:lnSpc>
+                <a:spcPct val="100000"/>
+              </a:lnSpc>
+            </a:pPr>
+            <a:r>
+              <a:rPr b="0" lang="uk-UA" sz="3000" spc="-1" strike="noStrike">
+                <a:solidFill>
+                  <a:srgbClr val="ffffff"/>
+                </a:solidFill>
+                <a:latin typeface="Arial"/>
+                <a:ea typeface="DejaVu Sans"/>
+              </a:rPr>
+              <a:t>- Типи винятків, викинутих із методу перевизначення, повинні бути однаковими метод базового класу. </a:t>
+            </a:r>
+            <a:endParaRPr b="0" lang="uk-UA" sz="3000" spc="-1" strike="noStrike">
+              <a:latin typeface="Arial"/>
+            </a:endParaRPr>
+          </a:p>
+        </p:txBody>
+      </p:sp>
     </p:spTree>
   </p:cSld>
   <mc:AlternateContent>
@@ -10320,16 +10579,39 @@
           <a:chExt cx="0" cy="0"/>
         </a:xfrm>
       </p:grpSpPr>
-      <p:sp>
-        <p:nvSpPr>
-          <p:cNvPr id="255" name="CustomShape 1"/>
+      <p:pic>
+        <p:nvPicPr>
+          <p:cNvPr id="260" name="" descr=""/>
+          <p:cNvPicPr/>
+          <p:nvPr/>
+        </p:nvPicPr>
+        <p:blipFill>
+          <a:blip r:embed="rId1"/>
+          <a:stretch/>
+        </p:blipFill>
+        <p:spPr>
+          <a:xfrm>
+            <a:off x="2952000" y="1296000"/>
+            <a:ext cx="6118920" cy="4998600"/>
+          </a:xfrm>
+          <a:prstGeom prst="rect">
+            <a:avLst/>
+          </a:prstGeom>
+          <a:ln>
+            <a:noFill/>
+          </a:ln>
+        </p:spPr>
+      </p:pic>
+      <p:sp>
+        <p:nvSpPr>
+          <p:cNvPr id="261" name="CustomShape 1"/>
           <p:cNvSpPr/>
           <p:nvPr/>
         </p:nvSpPr>
         <p:spPr>
           <a:xfrm>
-            <a:off x="720000" y="792000"/>
-            <a:ext cx="10007280" cy="2442600"/>
+            <a:off x="720000" y="648000"/>
+            <a:ext cx="10870920" cy="939600"/>
           </a:xfrm>
           <a:prstGeom prst="rect">
             <a:avLst/>
@@ -10345,63 +10627,17 @@
           <a:effectRef idx="0"/>
           <a:fontRef idx="minor"/>
         </p:style>
-      </p:sp>
-      <p:sp>
-        <p:nvSpPr>
-          <p:cNvPr id="256" name="CustomShape 2"/>
-          <p:cNvSpPr/>
-          <p:nvPr/>
-        </p:nvSpPr>
-        <p:spPr>
-          <a:xfrm>
-            <a:off x="576720" y="288000"/>
-            <a:ext cx="10799280" cy="6269040"/>
-          </a:xfrm>
-          <a:prstGeom prst="rect">
-            <a:avLst/>
-          </a:prstGeom>
-          <a:noFill/>
-          <a:ln>
-            <a:noFill/>
-          </a:ln>
-        </p:spPr>
-        <p:style>
-          <a:lnRef idx="0"/>
-          <a:fillRef idx="0"/>
-          <a:effectRef idx="0"/>
-          <a:fontRef idx="minor"/>
-        </p:style>
         <p:txBody>
           <a:bodyPr lIns="90000" rIns="90000" tIns="45000" bIns="45000">
             <a:noAutofit/>
           </a:bodyPr>
           <a:p>
-            <a:pPr algn="just">
+            <a:pPr algn="ctr">
               <a:lnSpc>
                 <a:spcPct val="100000"/>
               </a:lnSpc>
             </a:pPr>
             <a:r>
-              <a:rPr b="1" lang="uk-UA" sz="4600" spc="-1" strike="noStrike">
-                <a:solidFill>
-                  <a:srgbClr val="ffffff"/>
-                </a:solidFill>
-                <a:latin typeface="Arial"/>
-                <a:ea typeface="DejaVu Sans"/>
-              </a:rPr>
-              <a:t>O</a:t>
-            </a:r>
-            <a:r>
-              <a:rPr b="1" lang="uk-UA" sz="3000" spc="-1" strike="noStrike">
-                <a:solidFill>
-                  <a:srgbClr val="ffffff"/>
-                </a:solidFill>
-                <a:latin typeface="Arial"/>
-                <a:ea typeface="DejaVu Sans"/>
-              </a:rPr>
-              <a:t> </a:t>
-            </a:r>
-            <a:r>
               <a:rPr b="0" lang="uk-UA" sz="3000" spc="-1" strike="noStrike">
                 <a:solidFill>
                   <a:srgbClr val="ffffff"/>
@@ -10409,18 +10645,8 @@
                 <a:latin typeface="Arial"/>
                 <a:ea typeface="DejaVu Sans"/>
               </a:rPr>
-              <a:t>- Принцип відкритості/закритості (англ. Open Closed Principle, OCP) — важливий принцип об'єктно-орієнтованого програмування, який означає, що «програмні сутності, такі як класи, модулі, функції, методи та ін. мають бути відкритими для розширення та закритими для змін». Це означає, що вони можуть надавати можливість змінювати свою поведінку без або з мінімальними змінами коду. Нехай припустимо, що кожен працівник має свою професію і надає привілеї. Але як бути, якщо ми введемо нову професію у систему і не змінимо існуючі речі. Тож ми можемо зробити, як показано в прикладі нижче, щоб зробити так, щоб він пройшов OCP.</a:t>
-            </a:r>
-            <a:endParaRPr b="0" lang="uk-UA" sz="3000" spc="-1" strike="noStrike">
-              <a:latin typeface="Arial"/>
-            </a:endParaRPr>
-          </a:p>
-          <a:p>
-            <a:pPr algn="just">
-              <a:lnSpc>
-                <a:spcPct val="100000"/>
-              </a:lnSpc>
-            </a:pPr>
+              <a:t>Найкращий спосіб пояснити LSP - показати приклад: </a:t>
+            </a:r>
             <a:endParaRPr b="0" lang="uk-UA" sz="3000" spc="-1" strike="noStrike">
               <a:latin typeface="Arial"/>
             </a:endParaRPr>
@@ -10457,29 +10683,143 @@
           <a:chExt cx="0" cy="0"/>
         </a:xfrm>
       </p:grpSpPr>
-      <p:pic>
-        <p:nvPicPr>
-          <p:cNvPr id="257" name="" descr=""/>
-          <p:cNvPicPr/>
+      <p:sp>
+        <p:nvSpPr>
+          <p:cNvPr id="262" name="CustomShape 1"/>
+          <p:cNvSpPr/>
           <p:nvPr/>
-        </p:nvPicPr>
-        <p:blipFill>
-          <a:blip r:embed="rId1"/>
-          <a:stretch/>
-        </p:blipFill>
-        <p:spPr>
-          <a:xfrm>
-            <a:off x="1368000" y="648000"/>
-            <a:ext cx="9431280" cy="5111280"/>
-          </a:xfrm>
-          <a:prstGeom prst="rect">
-            <a:avLst/>
-          </a:prstGeom>
+        </p:nvSpPr>
+        <p:spPr>
+          <a:xfrm>
+            <a:off x="792000" y="720000"/>
+            <a:ext cx="70920" cy="345240"/>
+          </a:xfrm>
+          <a:prstGeom prst="rect">
+            <a:avLst/>
+          </a:prstGeom>
+          <a:noFill/>
           <a:ln>
             <a:noFill/>
           </a:ln>
         </p:spPr>
-      </p:pic>
+        <p:style>
+          <a:lnRef idx="0"/>
+          <a:fillRef idx="0"/>
+          <a:effectRef idx="0"/>
+          <a:fontRef idx="minor"/>
+        </p:style>
+      </p:sp>
+      <p:sp>
+        <p:nvSpPr>
+          <p:cNvPr id="263" name="CustomShape 2"/>
+          <p:cNvSpPr/>
+          <p:nvPr/>
+        </p:nvSpPr>
+        <p:spPr>
+          <a:xfrm>
+            <a:off x="648000" y="576000"/>
+            <a:ext cx="10870920" cy="4910040"/>
+          </a:xfrm>
+          <a:prstGeom prst="rect">
+            <a:avLst/>
+          </a:prstGeom>
+          <a:noFill/>
+          <a:ln>
+            <a:noFill/>
+          </a:ln>
+        </p:spPr>
+        <p:style>
+          <a:lnRef idx="0"/>
+          <a:fillRef idx="0"/>
+          <a:effectRef idx="0"/>
+          <a:fontRef idx="minor"/>
+        </p:style>
+        <p:txBody>
+          <a:bodyPr lIns="90000" rIns="90000" tIns="45000" bIns="45000">
+            <a:noAutofit/>
+          </a:bodyPr>
+          <a:p>
+            <a:pPr algn="just">
+              <a:lnSpc>
+                <a:spcPct val="100000"/>
+              </a:lnSpc>
+            </a:pPr>
+            <a:r>
+              <a:rPr b="0" lang="uk-UA" sz="3000" spc="-1" strike="noStrike">
+                <a:solidFill>
+                  <a:srgbClr val="ffffff"/>
+                </a:solidFill>
+                <a:latin typeface="Arial"/>
+                <a:ea typeface="DejaVu Sans"/>
+              </a:rPr>
+              <a:t>У цьому прикладі клас Eagle змінює метод fly, але це не порушує LSP, оскільки написання нових методів сумісне з базовим класом методу. Методи підкласу, які замінюють методи базового класу, повинні мати однакову кількість аргументів. LSP не наполягає на тому, що повернене значення перевизначеного методу також повинно бути однаковим. </a:t>
+            </a:r>
+            <a:endParaRPr b="0" lang="uk-UA" sz="3000" spc="-1" strike="noStrike">
+              <a:latin typeface="Arial"/>
+            </a:endParaRPr>
+          </a:p>
+          <a:p>
+            <a:pPr algn="just">
+              <a:lnSpc>
+                <a:spcPct val="100000"/>
+              </a:lnSpc>
+            </a:pPr>
+            <a:r>
+              <a:rPr b="0" lang="uk-UA" sz="3000" spc="-1" strike="noStrike">
+                <a:solidFill>
+                  <a:srgbClr val="ffffff"/>
+                </a:solidFill>
+                <a:latin typeface="Arial"/>
+                <a:ea typeface="DejaVu Sans"/>
+              </a:rPr>
+              <a:t>Клас "Пінгвін" порушує LSP двома способами:</a:t>
+            </a:r>
+            <a:endParaRPr b="0" lang="uk-UA" sz="3000" spc="-1" strike="noStrike">
+              <a:latin typeface="Arial"/>
+            </a:endParaRPr>
+          </a:p>
+          <a:p>
+            <a:pPr algn="just">
+              <a:lnSpc>
+                <a:spcPct val="100000"/>
+              </a:lnSpc>
+            </a:pPr>
+            <a:r>
+              <a:rPr b="0" lang="uk-UA" sz="3000" spc="-1" strike="noStrike">
+                <a:solidFill>
+                  <a:srgbClr val="ffffff"/>
+                </a:solidFill>
+                <a:latin typeface="Arial"/>
+                <a:ea typeface="DejaVu Sans"/>
+              </a:rPr>
+              <a:t>1. Перевизначений метод fly не має однакову кількість аргументів.</a:t>
+            </a:r>
+            <a:endParaRPr b="0" lang="uk-UA" sz="3000" spc="-1" strike="noStrike">
+              <a:latin typeface="Arial"/>
+            </a:endParaRPr>
+          </a:p>
+          <a:p>
+            <a:pPr>
+              <a:lnSpc>
+                <a:spcPct val="100000"/>
+              </a:lnSpc>
+            </a:pPr>
+            <a:r>
+              <a:rPr b="0" lang="uk-UA" sz="3000" spc="-1" strike="noStrike">
+                <a:solidFill>
+                  <a:srgbClr val="ffffff"/>
+                </a:solidFill>
+                <a:latin typeface="Arial"/>
+                <a:ea typeface="DejaVu Sans"/>
+              </a:rPr>
+              <a:t>2 . Тип повернення методу fly() не однаковий з батьківським </a:t>
+            </a:r>
+            <a:endParaRPr b="0" lang="uk-UA" sz="3000" spc="-1" strike="noStrike">
+              <a:latin typeface="Arial"/>
+            </a:endParaRPr>
+          </a:p>
+        </p:txBody>
+      </p:sp>
     </p:spTree>
   </p:cSld>
   <mc:AlternateContent>
@@ -10512,14 +10852,14 @@
       </p:grpSpPr>
       <p:sp>
         <p:nvSpPr>
-          <p:cNvPr id="258" name="CustomShape 1"/>
+          <p:cNvPr id="264" name="CustomShape 1"/>
           <p:cNvSpPr/>
           <p:nvPr/>
         </p:nvSpPr>
         <p:spPr>
           <a:xfrm>
-            <a:off x="648000" y="504000"/>
-            <a:ext cx="10871280" cy="2232000"/>
+            <a:off x="1584000" y="1008000"/>
+            <a:ext cx="179640" cy="345240"/>
           </a:xfrm>
           <a:prstGeom prst="rect">
             <a:avLst/>
@@ -10535,6 +10875,32 @@
           <a:effectRef idx="0"/>
           <a:fontRef idx="minor"/>
         </p:style>
+      </p:sp>
+      <p:sp>
+        <p:nvSpPr>
+          <p:cNvPr id="265" name="CustomShape 2"/>
+          <p:cNvSpPr/>
+          <p:nvPr/>
+        </p:nvSpPr>
+        <p:spPr>
+          <a:xfrm>
+            <a:off x="702720" y="372240"/>
+            <a:ext cx="10798920" cy="5191200"/>
+          </a:xfrm>
+          <a:prstGeom prst="rect">
+            <a:avLst/>
+          </a:prstGeom>
+          <a:noFill/>
+          <a:ln>
+            <a:noFill/>
+          </a:ln>
+        </p:spPr>
+        <p:style>
+          <a:lnRef idx="0"/>
+          <a:fillRef idx="0"/>
+          <a:effectRef idx="0"/>
+          <a:fontRef idx="minor"/>
+        </p:style>
         <p:txBody>
           <a:bodyPr lIns="90000" rIns="90000" tIns="45000" bIns="45000">
             <a:noAutofit/>
@@ -10546,6 +10912,16 @@
               </a:lnSpc>
             </a:pPr>
             <a:r>
+              <a:rPr b="0" lang="uk-UA" sz="4600" spc="-1" strike="noStrike">
+                <a:solidFill>
+                  <a:srgbClr val="ffffff"/>
+                </a:solidFill>
+                <a:latin typeface="Arial"/>
+                <a:ea typeface="DejaVu Sans"/>
+              </a:rPr>
+              <a:t>I</a:t>
+            </a:r>
+            <a:r>
               <a:rPr b="0" lang="uk-UA" sz="3000" spc="-1" strike="noStrike">
                 <a:solidFill>
                   <a:srgbClr val="ffffff"/>
@@ -10553,17 +10929,7 @@
                 <a:latin typeface="Arial"/>
                 <a:ea typeface="DejaVu Sans"/>
               </a:rPr>
-              <a:t>   </a:t>
-            </a:r>
-            <a:r>
-              <a:rPr b="0" lang="uk-UA" sz="3000" spc="-1" strike="noStrike">
-                <a:solidFill>
-                  <a:srgbClr val="ffffff"/>
-                </a:solidFill>
-                <a:latin typeface="Arial"/>
-                <a:ea typeface="DejaVu Sans"/>
-              </a:rPr>
-              <a:t>Нам не потрібно змінювати існуючий код, а ми можемо розширити його, щоб додати нову роль. OCP є однією з рушійних сил архітектури систем. Мета полягає в тому, щоб зробити систему легкою для розширення, не зазнаючи значного впливу змін.</a:t>
+              <a:t> - Принцип розділення інтерфейсу (англ. Interface Segregation Principle, ISP) Клієнти не повинні залежати від методів, які вони не використовують. Отже, даний принцип означає, що занадто «товсті» інтерфейси необхідно розділяти на менші та специфічні, щоб клієнти знали лише про ті методи, що необхідні для них у роботі. Як результат, при зміні певного функціоналу, незмінними мають лишитися ті класи, що не використовують його. Тобто виконання цього принципу допомагає системі залишатися гнучкою при внесенні до неї змін та лишатися простою для рефакторингу. </a:t>
             </a:r>
             <a:endParaRPr b="0" lang="uk-UA" sz="3000" spc="-1" strike="noStrike">
               <a:latin typeface="Arial"/>
@@ -10571,29 +10937,6 @@
           </a:p>
         </p:txBody>
       </p:sp>
-      <p:pic>
-        <p:nvPicPr>
-          <p:cNvPr id="259" name="" descr=""/>
-          <p:cNvPicPr/>
-          <p:nvPr/>
-        </p:nvPicPr>
-        <p:blipFill>
-          <a:blip r:embed="rId1"/>
-          <a:stretch/>
-        </p:blipFill>
-        <p:spPr>
-          <a:xfrm>
-            <a:off x="1338840" y="3096000"/>
-            <a:ext cx="8380800" cy="3455280"/>
-          </a:xfrm>
-          <a:prstGeom prst="rect">
-            <a:avLst/>
-          </a:prstGeom>
-          <a:ln>
-            <a:noFill/>
-          </a:ln>
-        </p:spPr>
-      </p:pic>
     </p:spTree>
   </p:cSld>
   <mc:AlternateContent>
@@ -10626,14 +10969,14 @@
       </p:grpSpPr>
       <p:sp>
         <p:nvSpPr>
-          <p:cNvPr id="260" name="CustomShape 1"/>
+          <p:cNvPr id="266" name="CustomShape 1"/>
           <p:cNvSpPr/>
           <p:nvPr/>
         </p:nvSpPr>
         <p:spPr>
           <a:xfrm>
-            <a:off x="648000" y="144000"/>
-            <a:ext cx="11016000" cy="5699880"/>
+            <a:off x="668160" y="599040"/>
+            <a:ext cx="10798920" cy="939600"/>
           </a:xfrm>
           <a:prstGeom prst="rect">
             <a:avLst/>
@@ -10654,22 +10997,12 @@
             <a:noAutofit/>
           </a:bodyPr>
           <a:p>
-            <a:pPr algn="just">
+            <a:pPr>
               <a:lnSpc>
                 <a:spcPct val="100000"/>
               </a:lnSpc>
             </a:pPr>
             <a:r>
-              <a:rPr b="0" lang="uk-UA" sz="4600" spc="-1" strike="noStrike">
-                <a:solidFill>
-                  <a:srgbClr val="ffffff"/>
-                </a:solidFill>
-                <a:latin typeface="Arial"/>
-                <a:ea typeface="DejaVu Sans"/>
-              </a:rPr>
-              <a:t>L</a:t>
-            </a:r>
-            <a:r>
               <a:rPr b="0" lang="uk-UA" sz="3000" spc="-1" strike="noStrike">
                 <a:solidFill>
                   <a:srgbClr val="ffffff"/>
@@ -10677,18 +11010,8 @@
                 <a:latin typeface="Arial"/>
                 <a:ea typeface="DejaVu Sans"/>
               </a:rPr>
-              <a:t> - Принцип заміщення Лісков (англ. Liskov Substitution Principle, LSP). Цей принцип говорить, що для побудови програмних систем із взаємозамінних деталей ці деталі повинні дотримуватися правила, який дозволяє замінювати ці деталі одну на іншу.  У контексті JavaScript це означає, що:</a:t>
-            </a:r>
-            <a:endParaRPr b="0" lang="uk-UA" sz="3000" spc="-1" strike="noStrike">
-              <a:latin typeface="Arial"/>
-            </a:endParaRPr>
-          </a:p>
-          <a:p>
-            <a:pPr algn="just">
-              <a:lnSpc>
-                <a:spcPct val="100000"/>
-              </a:lnSpc>
-            </a:pPr>
+              <a:t>     </a:t>
+            </a:r>
             <a:r>
               <a:rPr b="0" lang="uk-UA" sz="3000" spc="-1" strike="noStrike">
                 <a:solidFill>
@@ -10697,54 +11020,37 @@
                 <a:latin typeface="Arial"/>
                 <a:ea typeface="DejaVu Sans"/>
               </a:rPr>
-              <a:t>- Методи підкласу, які замінюють методи базового класу, повинні мати точно стільки ж аргументів.</a:t>
+              <a:t>Давайте визначимо "абстрактний" Phone клас, який буде грати роль інтерфейсу в нашому випадку: </a:t>
             </a:r>
             <a:endParaRPr b="0" lang="uk-UA" sz="3000" spc="-1" strike="noStrike">
               <a:latin typeface="Arial"/>
             </a:endParaRPr>
           </a:p>
-          <a:p>
-            <a:pPr algn="just">
-              <a:lnSpc>
-                <a:spcPct val="100000"/>
-              </a:lnSpc>
-            </a:pPr>
-            <a:r>
-              <a:rPr b="0" lang="uk-UA" sz="3000" spc="-1" strike="noStrike">
-                <a:solidFill>
-                  <a:srgbClr val="ffffff"/>
-                </a:solidFill>
-                <a:latin typeface="Arial"/>
-                <a:ea typeface="DejaVu Sans"/>
-              </a:rPr>
-              <a:t>- Кожен аргумент та тип повернення перевизначеного методу повинен бути того самого типу, що і в методі базового класу.</a:t>
-            </a:r>
-            <a:endParaRPr b="0" lang="uk-UA" sz="3000" spc="-1" strike="noStrike">
-              <a:latin typeface="Arial"/>
-            </a:endParaRPr>
-          </a:p>
-          <a:p>
-            <a:pPr algn="just">
-              <a:lnSpc>
-                <a:spcPct val="100000"/>
-              </a:lnSpc>
-            </a:pPr>
-            <a:r>
-              <a:rPr b="0" lang="uk-UA" sz="3000" spc="-1" strike="noStrike">
-                <a:solidFill>
-                  <a:srgbClr val="ffffff"/>
-                </a:solidFill>
-                <a:latin typeface="Arial"/>
-                <a:ea typeface="DejaVu Sans"/>
-              </a:rPr>
-              <a:t>- Типи винятків, викинутих із методу перевизначення, повинні бути однаковими метод базового класу. </a:t>
-            </a:r>
-            <a:endParaRPr b="0" lang="uk-UA" sz="3000" spc="-1" strike="noStrike">
-              <a:latin typeface="Arial"/>
-            </a:endParaRPr>
-          </a:p>
-        </p:txBody>
-      </p:sp>
+        </p:txBody>
+      </p:sp>
+      <p:pic>
+        <p:nvPicPr>
+          <p:cNvPr id="267" name="" descr=""/>
+          <p:cNvPicPr/>
+          <p:nvPr/>
+        </p:nvPicPr>
+        <p:blipFill>
+          <a:blip r:embed="rId1"/>
+          <a:stretch/>
+        </p:blipFill>
+        <p:spPr>
+          <a:xfrm>
+            <a:off x="1944000" y="1845720"/>
+            <a:ext cx="6935760" cy="4417200"/>
+          </a:xfrm>
+          <a:prstGeom prst="rect">
+            <a:avLst/>
+          </a:prstGeom>
+          <a:ln>
+            <a:noFill/>
+          </a:ln>
+        </p:spPr>
+      </p:pic>
     </p:spTree>
   </p:cSld>
   <mc:AlternateContent>
@@ -10775,9 +11081,60 @@
           <a:chExt cx="0" cy="0"/>
         </a:xfrm>
       </p:grpSpPr>
+      <p:sp>
+        <p:nvSpPr>
+          <p:cNvPr id="268" name="CustomShape 1"/>
+          <p:cNvSpPr/>
+          <p:nvPr/>
+        </p:nvSpPr>
+        <p:spPr>
+          <a:xfrm>
+            <a:off x="648000" y="572040"/>
+            <a:ext cx="11375640" cy="939600"/>
+          </a:xfrm>
+          <a:prstGeom prst="rect">
+            <a:avLst/>
+          </a:prstGeom>
+          <a:noFill/>
+          <a:ln>
+            <a:noFill/>
+          </a:ln>
+        </p:spPr>
+        <p:style>
+          <a:lnRef idx="0"/>
+          <a:fillRef idx="0"/>
+          <a:effectRef idx="0"/>
+          <a:fontRef idx="minor"/>
+        </p:style>
+        <p:txBody>
+          <a:bodyPr lIns="90000" rIns="90000" tIns="45000" bIns="45000">
+            <a:noAutofit/>
+          </a:bodyPr>
+          <a:p>
+            <a:pPr>
+              <a:lnSpc>
+                <a:spcPct val="100000"/>
+              </a:lnSpc>
+            </a:pPr>
+            <a:r>
+              <a:rPr b="0" lang="uk-UA" sz="3000" spc="-1" strike="noStrike">
+                <a:solidFill>
+                  <a:srgbClr val="ffffff"/>
+                </a:solidFill>
+                <a:latin typeface="Arial"/>
+                <a:ea typeface="DejaVu Sans"/>
+              </a:rPr>
+              <a:t>Чи можемо ми використовувати його для визначення iPhone? </a:t>
+            </a:r>
+            <a:endParaRPr b="0" lang="uk-UA" sz="3000" spc="-1" strike="noStrike">
+              <a:latin typeface="Arial"/>
+            </a:endParaRPr>
+          </a:p>
+        </p:txBody>
+      </p:sp>
       <p:pic>
         <p:nvPicPr>
-          <p:cNvPr id="261" name="" descr=""/>
+          <p:cNvPr id="269" name="" descr=""/>
           <p:cNvPicPr/>
           <p:nvPr/>
         </p:nvPicPr>
@@ -10787,8 +11144,8 @@
         </p:blipFill>
         <p:spPr>
           <a:xfrm>
-            <a:off x="2952000" y="1296000"/>
-            <a:ext cx="6119280" cy="4998960"/>
+            <a:off x="2808000" y="1512000"/>
+            <a:ext cx="5872680" cy="4797000"/>
           </a:xfrm>
           <a:prstGeom prst="rect">
             <a:avLst/>
@@ -10798,57 +11155,6 @@
           </a:ln>
         </p:spPr>
       </p:pic>
-      <p:sp>
-        <p:nvSpPr>
-          <p:cNvPr id="262" name="CustomShape 1"/>
-          <p:cNvSpPr/>
-          <p:nvPr/>
-        </p:nvSpPr>
-        <p:spPr>
-          <a:xfrm>
-            <a:off x="720000" y="648000"/>
-            <a:ext cx="10871280" cy="939960"/>
-          </a:xfrm>
-          <a:prstGeom prst="rect">
-            <a:avLst/>
-          </a:prstGeom>
-          <a:noFill/>
-          <a:ln>
-            <a:noFill/>
-          </a:ln>
-        </p:spPr>
-        <p:style>
-          <a:lnRef idx="0"/>
-          <a:fillRef idx="0"/>
-          <a:effectRef idx="0"/>
-          <a:fontRef idx="minor"/>
-        </p:style>
-        <p:txBody>
-          <a:bodyPr lIns="90000" rIns="90000" tIns="45000" bIns="45000">
-            <a:noAutofit/>
-          </a:bodyPr>
-          <a:p>
-            <a:pPr algn="ctr">
-              <a:lnSpc>
-                <a:spcPct val="100000"/>
-              </a:lnSpc>
-            </a:pPr>
-            <a:r>
-              <a:rPr b="0" lang="uk-UA" sz="3000" spc="-1" strike="noStrike">
-                <a:solidFill>
-                  <a:srgbClr val="ffffff"/>
-                </a:solidFill>
-                <a:latin typeface="Arial"/>
-                <a:ea typeface="DejaVu Sans"/>
-              </a:rPr>
-              <a:t>Найкращий спосіб пояснити LSP - показати приклад: </a:t>
-            </a:r>
-            <a:endParaRPr b="0" lang="uk-UA" sz="3000" spc="-1" strike="noStrike">
-              <a:latin typeface="Arial"/>
-            </a:endParaRPr>
-          </a:p>
-        </p:txBody>
-      </p:sp>
     </p:spTree>
   </p:cSld>
   <mc:AlternateContent>
@@ -10888,7 +11194,7 @@
         <p:spPr>
           <a:xfrm>
             <a:off x="3679560" y="568800"/>
-            <a:ext cx="4391280" cy="798480"/>
+            <a:ext cx="4390920" cy="798120"/>
           </a:xfrm>
           <a:prstGeom prst="rect">
             <a:avLst/>
@@ -10939,7 +11245,7 @@
         <p:spPr>
           <a:xfrm>
             <a:off x="792000" y="1296000"/>
-            <a:ext cx="10727280" cy="1113480"/>
+            <a:ext cx="10726920" cy="1113120"/>
           </a:xfrm>
           <a:prstGeom prst="rect">
             <a:avLst/>
@@ -11014,7 +11320,7 @@
         <p:spPr>
           <a:xfrm>
             <a:off x="2925360" y="2670120"/>
-            <a:ext cx="5713920" cy="3305160"/>
+            <a:ext cx="5713560" cy="3304800"/>
           </a:xfrm>
           <a:prstGeom prst="rect">
             <a:avLst/>
@@ -11056,14 +11362,14 @@
       </p:grpSpPr>
       <p:sp>
         <p:nvSpPr>
-          <p:cNvPr id="263" name="CustomShape 1"/>
+          <p:cNvPr id="270" name="CustomShape 1"/>
           <p:cNvSpPr/>
           <p:nvPr/>
         </p:nvSpPr>
         <p:spPr>
           <a:xfrm>
-            <a:off x="792000" y="720000"/>
-            <a:ext cx="71280" cy="345600"/>
+            <a:off x="581400" y="539280"/>
+            <a:ext cx="11730240" cy="939600"/>
           </a:xfrm>
           <a:prstGeom prst="rect">
             <a:avLst/>
@@ -11079,96 +11385,10 @@
           <a:effectRef idx="0"/>
           <a:fontRef idx="minor"/>
         </p:style>
-      </p:sp>
-      <p:sp>
-        <p:nvSpPr>
-          <p:cNvPr id="264" name="CustomShape 2"/>
-          <p:cNvSpPr/>
-          <p:nvPr/>
-        </p:nvSpPr>
-        <p:spPr>
-          <a:xfrm>
-            <a:off x="648000" y="576000"/>
-            <a:ext cx="10871280" cy="4910400"/>
-          </a:xfrm>
-          <a:prstGeom prst="rect">
-            <a:avLst/>
-          </a:prstGeom>
-          <a:noFill/>
-          <a:ln>
-            <a:noFill/>
-          </a:ln>
-        </p:spPr>
-        <p:style>
-          <a:lnRef idx="0"/>
-          <a:fillRef idx="0"/>
-          <a:effectRef idx="0"/>
-          <a:fontRef idx="minor"/>
-        </p:style>
         <p:txBody>
           <a:bodyPr lIns="90000" rIns="90000" tIns="45000" bIns="45000">
             <a:noAutofit/>
           </a:bodyPr>
-          <a:p>
-            <a:pPr algn="just">
-              <a:lnSpc>
-                <a:spcPct val="100000"/>
-              </a:lnSpc>
-            </a:pPr>
-            <a:r>
-              <a:rPr b="0" lang="uk-UA" sz="3000" spc="-1" strike="noStrike">
-                <a:solidFill>
-                  <a:srgbClr val="ffffff"/>
-                </a:solidFill>
-                <a:latin typeface="Arial"/>
-                <a:ea typeface="DejaVu Sans"/>
-              </a:rPr>
-              <a:t>У цьому прикладі клас Eagle змінює метод fly, але це не порушує LSP, оскільки написання нових методів сумісне з базовим класом методу. Методи підкласу, які замінюють методи базового класу, повинні мати однакову кількість аргументів. LSP не наполягає на тому, що повернене значення перевизначеного методу також повинно бути однаковим. </a:t>
-            </a:r>
-            <a:endParaRPr b="0" lang="uk-UA" sz="3000" spc="-1" strike="noStrike">
-              <a:latin typeface="Arial"/>
-            </a:endParaRPr>
-          </a:p>
-          <a:p>
-            <a:pPr algn="just">
-              <a:lnSpc>
-                <a:spcPct val="100000"/>
-              </a:lnSpc>
-            </a:pPr>
-            <a:r>
-              <a:rPr b="0" lang="uk-UA" sz="3000" spc="-1" strike="noStrike">
-                <a:solidFill>
-                  <a:srgbClr val="ffffff"/>
-                </a:solidFill>
-                <a:latin typeface="Arial"/>
-                <a:ea typeface="DejaVu Sans"/>
-              </a:rPr>
-              <a:t>Клас "Пінгвін" порушує LSP трьома способами:</a:t>
-            </a:r>
-            <a:endParaRPr b="0" lang="uk-UA" sz="3000" spc="-1" strike="noStrike">
-              <a:latin typeface="Arial"/>
-            </a:endParaRPr>
-          </a:p>
-          <a:p>
-            <a:pPr algn="just">
-              <a:lnSpc>
-                <a:spcPct val="100000"/>
-              </a:lnSpc>
-            </a:pPr>
-            <a:r>
-              <a:rPr b="0" lang="uk-UA" sz="3000" spc="-1" strike="noStrike">
-                <a:solidFill>
-                  <a:srgbClr val="ffffff"/>
-                </a:solidFill>
-                <a:latin typeface="Arial"/>
-                <a:ea typeface="DejaVu Sans"/>
-              </a:rPr>
-              <a:t>1. Перевизначений метод fly не має однакову кількість аргументів.</a:t>
-            </a:r>
-            <a:endParaRPr b="0" lang="uk-UA" sz="3000" spc="-1" strike="noStrike">
-              <a:latin typeface="Arial"/>
-            </a:endParaRPr>
-          </a:p>
           <a:p>
             <a:pPr>
               <a:lnSpc>
@@ -11183,7 +11403,7 @@
                 <a:latin typeface="Arial"/>
                 <a:ea typeface="DejaVu Sans"/>
               </a:rPr>
-              <a:t>2 . Тип повернення методу fly() не однаковий з батьківським </a:t>
+              <a:t>Гаразд, але для старої Nokia 3310 цей інтерфейс буде порушувати принцип "Я" </a:t>
             </a:r>
             <a:endParaRPr b="0" lang="uk-UA" sz="3000" spc="-1" strike="noStrike">
               <a:latin typeface="Arial"/>
@@ -11191,6 +11411,29 @@
           </a:p>
         </p:txBody>
       </p:sp>
+      <p:pic>
+        <p:nvPicPr>
+          <p:cNvPr id="271" name="" descr=""/>
+          <p:cNvPicPr/>
+          <p:nvPr/>
+        </p:nvPicPr>
+        <p:blipFill>
+          <a:blip r:embed="rId1"/>
+          <a:stretch/>
+        </p:blipFill>
+        <p:spPr>
+          <a:xfrm>
+            <a:off x="2664000" y="1688760"/>
+            <a:ext cx="5830920" cy="4502160"/>
+          </a:xfrm>
+          <a:prstGeom prst="rect">
+            <a:avLst/>
+          </a:prstGeom>
+          <a:ln>
+            <a:noFill/>
+          </a:ln>
+        </p:spPr>
+      </p:pic>
     </p:spTree>
   </p:cSld>
   <mc:AlternateContent>
@@ -11223,14 +11466,14 @@
       </p:grpSpPr>
       <p:sp>
         <p:nvSpPr>
-          <p:cNvPr id="265" name="CustomShape 1"/>
+          <p:cNvPr id="272" name="CustomShape 1"/>
           <p:cNvSpPr/>
           <p:nvPr/>
         </p:nvSpPr>
         <p:spPr>
           <a:xfrm>
-            <a:off x="1584000" y="1008000"/>
-            <a:ext cx="180000" cy="345600"/>
+            <a:off x="576000" y="144000"/>
+            <a:ext cx="11087640" cy="5616360"/>
           </a:xfrm>
           <a:prstGeom prst="rect">
             <a:avLst/>
@@ -11246,32 +11489,6 @@
           <a:effectRef idx="0"/>
           <a:fontRef idx="minor"/>
         </p:style>
-      </p:sp>
-      <p:sp>
-        <p:nvSpPr>
-          <p:cNvPr id="266" name="CustomShape 2"/>
-          <p:cNvSpPr/>
-          <p:nvPr/>
-        </p:nvSpPr>
-        <p:spPr>
-          <a:xfrm>
-            <a:off x="702720" y="372240"/>
-            <a:ext cx="10799280" cy="5191560"/>
-          </a:xfrm>
-          <a:prstGeom prst="rect">
-            <a:avLst/>
-          </a:prstGeom>
-          <a:noFill/>
-          <a:ln>
-            <a:noFill/>
-          </a:ln>
-        </p:spPr>
-        <p:style>
-          <a:lnRef idx="0"/>
-          <a:fillRef idx="0"/>
-          <a:effectRef idx="0"/>
-          <a:fontRef idx="minor"/>
-        </p:style>
         <p:txBody>
           <a:bodyPr lIns="90000" rIns="90000" tIns="45000" bIns="45000">
             <a:noAutofit/>
@@ -11287,20 +11504,100 @@
                 <a:solidFill>
                   <a:srgbClr val="ffffff"/>
                 </a:solidFill>
-                <a:latin typeface="Times New Roman"/>
+                <a:latin typeface="Arial"/>
                 <a:ea typeface="DejaVu Sans"/>
               </a:rPr>
-              <a:t>I</a:t>
+              <a:t>D</a:t>
             </a:r>
             <a:r>
               <a:rPr b="0" lang="uk-UA" sz="3000" spc="-1" strike="noStrike">
                 <a:solidFill>
                   <a:srgbClr val="ffffff"/>
                 </a:solidFill>
-                <a:latin typeface="Times New Roman"/>
+                <a:latin typeface="Arial"/>
                 <a:ea typeface="DejaVu Sans"/>
               </a:rPr>
-              <a:t> - Принцип розділення інтерфейсу (англ. Interface Segregation Principle, ISP) Клієнти не повинні залежати від методів, які вони не використовують. Отже, даний принцип означає, що занадто «товсті» інтерфейси необхідно розділяти на менші та специфічні, щоб клієнти знали лише про ті методи, що необхідні для них у роботі. Як результат, при зміні певного функціоналу, незмінними мають лишитися ті класи, що не використовують його. Тобто виконання цього принципу допомагає системі залишатися гнучкою при внесенні до неї змін та лишатися простою для рефакторингу. Припустимо, якщо ви заходите в ресторан і ви чисто вегетаріанець. Офіціант у цьому ресторані дав</a:t>
+              <a:t> - Принцип інве́рсії зале́жностей (англ. Dependency Inversion Principle, DIP) —  суть принципу полягає у розриві зв'язності між програмними модулями вищого та нижчого рівнів за допомогою спільних абстракцій.  Принцип формулюється наступним чином:</a:t>
+            </a:r>
+            <a:endParaRPr b="0" lang="uk-UA" sz="3000" spc="-1" strike="noStrike">
+              <a:latin typeface="Arial"/>
+            </a:endParaRPr>
+          </a:p>
+          <a:p>
+            <a:pPr algn="just">
+              <a:lnSpc>
+                <a:spcPct val="100000"/>
+              </a:lnSpc>
+            </a:pPr>
+            <a:r>
+              <a:rPr b="0" lang="uk-UA" sz="3000" spc="-1" strike="noStrike">
+                <a:solidFill>
+                  <a:srgbClr val="ffffff"/>
+                </a:solidFill>
+                <a:latin typeface="Arial"/>
+                <a:ea typeface="DejaVu Sans"/>
+              </a:rPr>
+              <a:t> </a:t>
+            </a:r>
+            <a:r>
+              <a:rPr b="0" lang="uk-UA" sz="3000" spc="-1" strike="noStrike">
+                <a:solidFill>
+                  <a:srgbClr val="ffffff"/>
+                </a:solidFill>
+                <a:latin typeface="Arial"/>
+                <a:ea typeface="DejaVu Sans"/>
+              </a:rPr>
+              <a:t>- Модулі вищого рівня не повинні залежати від модулів нижчого рівня. Обидва типи модулів повинні залежати від абстракцій.</a:t>
+            </a:r>
+            <a:endParaRPr b="0" lang="uk-UA" sz="3000" spc="-1" strike="noStrike">
+              <a:latin typeface="Arial"/>
+            </a:endParaRPr>
+          </a:p>
+          <a:p>
+            <a:pPr algn="just">
+              <a:lnSpc>
+                <a:spcPct val="100000"/>
+              </a:lnSpc>
+            </a:pPr>
+            <a:r>
+              <a:rPr b="0" lang="uk-UA" sz="3000" spc="-1" strike="noStrike">
+                <a:solidFill>
+                  <a:srgbClr val="ffffff"/>
+                </a:solidFill>
+                <a:latin typeface="Arial"/>
+                <a:ea typeface="DejaVu Sans"/>
+              </a:rPr>
+              <a:t> </a:t>
+            </a:r>
+            <a:r>
+              <a:rPr b="0" lang="uk-UA" sz="3000" spc="-1" strike="noStrike">
+                <a:solidFill>
+                  <a:srgbClr val="ffffff"/>
+                </a:solidFill>
+                <a:latin typeface="Arial"/>
+                <a:ea typeface="DejaVu Sans"/>
+              </a:rPr>
+              <a:t>- Абстракції не повинні залежати від деталей реалізації.      Деталі реалізації повинні залежати від абстракцій.</a:t>
+            </a:r>
+            <a:endParaRPr b="0" lang="uk-UA" sz="3000" spc="-1" strike="noStrike">
+              <a:latin typeface="Arial"/>
+            </a:endParaRPr>
+          </a:p>
+          <a:p>
+            <a:pPr algn="just">
+              <a:lnSpc>
+                <a:spcPct val="100000"/>
+              </a:lnSpc>
+            </a:pPr>
+            <a:r>
+              <a:rPr b="0" lang="uk-UA" sz="3000" spc="-1" strike="noStrike">
+                <a:solidFill>
+                  <a:srgbClr val="ffffff"/>
+                </a:solidFill>
+                <a:latin typeface="Arial"/>
+                <a:ea typeface="DejaVu Sans"/>
+              </a:rPr>
+              <a:t>Принцип інверсії залежностей вирішує проблеми невдалого проектування програм. </a:t>
             </a:r>
             <a:endParaRPr b="0" lang="uk-UA" sz="3000" spc="-1" strike="noStrike">
               <a:latin typeface="Arial"/>
@@ -11338,16 +11635,62 @@
           <a:chExt cx="0" cy="0"/>
         </a:xfrm>
       </p:grpSpPr>
-      <p:sp>
-        <p:nvSpPr>
-          <p:cNvPr id="267" name="CustomShape 1"/>
+      <p:pic>
+        <p:nvPicPr>
+          <p:cNvPr id="273" name="" descr=""/>
+          <p:cNvPicPr/>
+          <p:nvPr/>
+        </p:nvPicPr>
+        <p:blipFill>
+          <a:blip r:embed="rId1"/>
+          <a:stretch/>
+        </p:blipFill>
+        <p:spPr>
+          <a:xfrm>
+            <a:off x="639720" y="1549080"/>
+            <a:ext cx="3319200" cy="4281840"/>
+          </a:xfrm>
+          <a:prstGeom prst="rect">
+            <a:avLst/>
+          </a:prstGeom>
+          <a:ln>
+            <a:noFill/>
+          </a:ln>
+        </p:spPr>
+      </p:pic>
+      <p:pic>
+        <p:nvPicPr>
+          <p:cNvPr id="274" name="" descr=""/>
+          <p:cNvPicPr/>
+          <p:nvPr/>
+        </p:nvPicPr>
+        <p:blipFill>
+          <a:blip r:embed="rId2"/>
+          <a:stretch/>
+        </p:blipFill>
+        <p:spPr>
+          <a:xfrm>
+            <a:off x="4608000" y="1584000"/>
+            <a:ext cx="5957280" cy="4246920"/>
+          </a:xfrm>
+          <a:prstGeom prst="rect">
+            <a:avLst/>
+          </a:prstGeom>
+          <a:ln>
+            <a:noFill/>
+          </a:ln>
+        </p:spPr>
+      </p:pic>
+      <p:sp>
+        <p:nvSpPr>
+          <p:cNvPr id="275" name="CustomShape 1"/>
           <p:cNvSpPr/>
           <p:nvPr/>
         </p:nvSpPr>
         <p:spPr>
           <a:xfrm>
-            <a:off x="648360" y="360000"/>
-            <a:ext cx="10799280" cy="5616720"/>
+            <a:off x="576000" y="576000"/>
+            <a:ext cx="10870920" cy="514440"/>
           </a:xfrm>
           <a:prstGeom prst="rect">
             <a:avLst/>
@@ -11368,7 +11711,7 @@
             <a:noAutofit/>
           </a:bodyPr>
           <a:p>
-            <a:pPr algn="just">
+            <a:pPr>
               <a:lnSpc>
                 <a:spcPct val="100000"/>
               </a:lnSpc>
@@ -11381,37 +11724,7 @@
                 <a:latin typeface="Arial"/>
                 <a:ea typeface="DejaVu Sans"/>
               </a:rPr>
-              <a:t>вам карту меню, яка включає вегетаріанські страви, вегетаріанські страви, напої та солодощі. У цьому випадку, як клієнт, ви повинні мати картку меню, яка включає лише вегетаріанські страви, а не все, що ви не їсте в їжі. Тут меню має бути різним для різних типів клієнтів. Карту загального або загального меню для всіх можна розділити на кілька карток, а не лише на одну. Використання цього принципу допомагає зменшити побічні ефекти та частоту необхідних змін.</a:t>
-            </a:r>
-            <a:endParaRPr b="0" lang="uk-UA" sz="3000" spc="-1" strike="noStrike">
-              <a:latin typeface="Arial"/>
-            </a:endParaRPr>
-          </a:p>
-          <a:p>
-            <a:pPr algn="just">
-              <a:lnSpc>
-                <a:spcPct val="100000"/>
-              </a:lnSpc>
-            </a:pPr>
-            <a:r>
-              <a:rPr b="0" lang="uk-UA" sz="3000" spc="-1" strike="noStrike">
-                <a:solidFill>
-                  <a:srgbClr val="ffffff"/>
-                </a:solidFill>
-                <a:latin typeface="Arial"/>
-                <a:ea typeface="DejaVu Sans"/>
-              </a:rPr>
-              <a:t>	</a:t>
-            </a:r>
-            <a:r>
-              <a:rPr b="0" lang="uk-UA" sz="3000" spc="-1" strike="noStrike">
-                <a:solidFill>
-                  <a:srgbClr val="ffffff"/>
-                </a:solidFill>
-                <a:latin typeface="Arial"/>
-                <a:ea typeface="DejaVu Sans"/>
-              </a:rPr>
-              <a:t>Оскільки ми не маємо інтерфейсу за замовчуванням у JavaScript. Але ми всі стикалися б із ситуаціями, коли ми хочемо зробити стільки речей на конструкторі класу. Отже, як реалізувати ISP зараз?</a:t>
+              <a:t>Тут клас високого залежить від класів низького рівня .</a:t>
             </a:r>
             <a:endParaRPr b="0" lang="uk-UA" sz="3000" spc="-1" strike="noStrike">
               <a:latin typeface="Arial"/>
@@ -11449,90 +11762,9 @@
           <a:chExt cx="0" cy="0"/>
         </a:xfrm>
       </p:grpSpPr>
-      <p:sp>
-        <p:nvSpPr>
-          <p:cNvPr id="268" name="CustomShape 1"/>
-          <p:cNvSpPr/>
-          <p:nvPr/>
-        </p:nvSpPr>
-        <p:spPr>
-          <a:xfrm>
-            <a:off x="668160" y="599040"/>
-            <a:ext cx="10799280" cy="939960"/>
-          </a:xfrm>
-          <a:prstGeom prst="rect">
-            <a:avLst/>
-          </a:prstGeom>
-          <a:noFill/>
-          <a:ln>
-            <a:noFill/>
-          </a:ln>
-        </p:spPr>
-        <p:style>
-          <a:lnRef idx="0"/>
-          <a:fillRef idx="0"/>
-          <a:effectRef idx="0"/>
-          <a:fontRef idx="minor"/>
-        </p:style>
-        <p:txBody>
-          <a:bodyPr lIns="90000" rIns="90000" tIns="45000" bIns="45000">
-            <a:noAutofit/>
-          </a:bodyPr>
-          <a:p>
-            <a:pPr>
-              <a:lnSpc>
-                <a:spcPct val="100000"/>
-              </a:lnSpc>
-            </a:pPr>
-            <a:r>
-              <a:rPr b="0" lang="uk-UA" sz="3000" spc="-1" strike="noStrike">
-                <a:solidFill>
-                  <a:srgbClr val="ffffff"/>
-                </a:solidFill>
-                <a:latin typeface="Arial"/>
-                <a:ea typeface="DejaVu Sans"/>
-              </a:rPr>
-              <a:t> </a:t>
-            </a:r>
-            <a:r>
-              <a:rPr b="0" lang="uk-UA" sz="3000" spc="-1" strike="noStrike">
-                <a:solidFill>
-                  <a:srgbClr val="ffffff"/>
-                </a:solidFill>
-                <a:latin typeface="Arial"/>
-                <a:ea typeface="DejaVu Sans"/>
-              </a:rPr>
-              <a:t>    </a:t>
-            </a:r>
-            <a:r>
-              <a:rPr b="0" lang="uk-UA" sz="3000" spc="-1" strike="noStrike">
-                <a:solidFill>
-                  <a:srgbClr val="ffffff"/>
-                </a:solidFill>
-                <a:latin typeface="Arial"/>
-                <a:ea typeface="DejaVu Sans"/>
-              </a:rPr>
-              <a:t>Давайте визначимо "абстрактний" Phone клас, який буде грати роль інтерфейсу в нашому випадку:</a:t>
-            </a:r>
-            <a:r>
-              <a:rPr b="0" lang="uk-UA" sz="3000" spc="-1" strike="noStrike">
-                <a:solidFill>
-                  <a:srgbClr val="ffffff"/>
-                </a:solidFill>
-                <a:latin typeface="Arial"/>
-                <a:ea typeface="DejaVu Sans"/>
-              </a:rPr>
-              <a:t> </a:t>
-            </a:r>
-            <a:endParaRPr b="0" lang="uk-UA" sz="3000" spc="-1" strike="noStrike">
-              <a:latin typeface="Arial"/>
-            </a:endParaRPr>
-          </a:p>
-        </p:txBody>
-      </p:sp>
       <p:pic>
         <p:nvPicPr>
-          <p:cNvPr id="269" name="" descr=""/>
+          <p:cNvPr id="276" name="" descr=""/>
           <p:cNvPicPr/>
           <p:nvPr/>
         </p:nvPicPr>
@@ -11542,8 +11774,8 @@
         </p:blipFill>
         <p:spPr>
           <a:xfrm>
-            <a:off x="1944000" y="1845720"/>
-            <a:ext cx="6936120" cy="4417560"/>
+            <a:off x="1008000" y="791640"/>
+            <a:ext cx="3360240" cy="5399280"/>
           </a:xfrm>
           <a:prstGeom prst="rect">
             <a:avLst/>
@@ -11553,6 +11785,57 @@
           </a:ln>
         </p:spPr>
       </p:pic>
+      <p:sp>
+        <p:nvSpPr>
+          <p:cNvPr id="277" name="CustomShape 1"/>
+          <p:cNvSpPr/>
+          <p:nvPr/>
+        </p:nvSpPr>
+        <p:spPr>
+          <a:xfrm>
+            <a:off x="4896000" y="2736000"/>
+            <a:ext cx="6478920" cy="1364760"/>
+          </a:xfrm>
+          <a:prstGeom prst="rect">
+            <a:avLst/>
+          </a:prstGeom>
+          <a:noFill/>
+          <a:ln>
+            <a:noFill/>
+          </a:ln>
+        </p:spPr>
+        <p:style>
+          <a:lnRef idx="0"/>
+          <a:fillRef idx="0"/>
+          <a:effectRef idx="0"/>
+          <a:fontRef idx="minor"/>
+        </p:style>
+        <p:txBody>
+          <a:bodyPr lIns="90000" rIns="90000" tIns="45000" bIns="45000">
+            <a:noAutofit/>
+          </a:bodyPr>
+          <a:p>
+            <a:pPr>
+              <a:lnSpc>
+                <a:spcPct val="100000"/>
+              </a:lnSpc>
+            </a:pPr>
+            <a:r>
+              <a:rPr b="0" lang="uk-UA" sz="3000" spc="-1" strike="noStrike">
+                <a:solidFill>
+                  <a:srgbClr val="ffffff"/>
+                </a:solidFill>
+                <a:latin typeface="Arial"/>
+                <a:ea typeface="DejaVu Sans"/>
+              </a:rPr>
+              <a:t>Щоб уникнути проблеми в цьому простому випадку ми повинні зробити щось подібне. </a:t>
+            </a:r>
+            <a:endParaRPr b="0" lang="uk-UA" sz="3000" spc="-1" strike="noStrike">
+              <a:latin typeface="Arial"/>
+            </a:endParaRPr>
+          </a:p>
+        </p:txBody>
+      </p:sp>
     </p:spTree>
   </p:cSld>
   <mc:AlternateContent>
@@ -11585,14 +11868,14 @@
       </p:grpSpPr>
       <p:sp>
         <p:nvSpPr>
-          <p:cNvPr id="270" name="CustomShape 1"/>
+          <p:cNvPr id="278" name="CustomShape 1"/>
           <p:cNvSpPr/>
           <p:nvPr/>
         </p:nvSpPr>
         <p:spPr>
           <a:xfrm>
-            <a:off x="648000" y="572040"/>
-            <a:ext cx="11376000" cy="939960"/>
+            <a:off x="2952000" y="792000"/>
+            <a:ext cx="6694920" cy="741600"/>
           </a:xfrm>
           <a:prstGeom prst="rect">
             <a:avLst/>
@@ -11613,50 +11896,344 @@
             <a:noAutofit/>
           </a:bodyPr>
           <a:p>
+            <a:pPr algn="ctr">
+              <a:lnSpc>
+                <a:spcPct val="100000"/>
+              </a:lnSpc>
+            </a:pPr>
+            <a:r>
+              <a:rPr b="0" lang="uk-UA" sz="4600" spc="-1" strike="noStrike">
+                <a:solidFill>
+                  <a:srgbClr val="ffffff"/>
+                </a:solidFill>
+                <a:latin typeface="Arial"/>
+                <a:ea typeface="DejaVu Sans"/>
+              </a:rPr>
+              <a:t>Корисні посилання</a:t>
+            </a:r>
+            <a:endParaRPr b="0" lang="uk-UA" sz="4600" spc="-1" strike="noStrike">
+              <a:latin typeface="Arial"/>
+            </a:endParaRPr>
+          </a:p>
+        </p:txBody>
+      </p:sp>
+      <p:sp>
+        <p:nvSpPr>
+          <p:cNvPr id="279" name="CustomShape 2"/>
+          <p:cNvSpPr/>
+          <p:nvPr/>
+        </p:nvSpPr>
+        <p:spPr>
+          <a:xfrm>
+            <a:off x="2305080" y="1944000"/>
+            <a:ext cx="10942920" cy="4339080"/>
+          </a:xfrm>
+          <a:prstGeom prst="rect">
+            <a:avLst/>
+          </a:prstGeom>
+          <a:noFill/>
+          <a:ln>
+            <a:noFill/>
+          </a:ln>
+        </p:spPr>
+        <p:style>
+          <a:lnRef idx="0"/>
+          <a:fillRef idx="0"/>
+          <a:effectRef idx="0"/>
+          <a:fontRef idx="minor"/>
+        </p:style>
+        <p:txBody>
+          <a:bodyPr lIns="90000" rIns="90000" tIns="45000" bIns="45000">
+            <a:noAutofit/>
+          </a:bodyPr>
+          <a:p>
             <a:pPr>
               <a:lnSpc>
                 <a:spcPct val="100000"/>
               </a:lnSpc>
             </a:pPr>
             <a:r>
-              <a:rPr b="0" lang="uk-UA" sz="3000" spc="-1" strike="noStrike">
+              <a:rPr b="0" lang="uk-UA" sz="1500" spc="-1" strike="noStrike" u="sng">
                 <a:solidFill>
-                  <a:srgbClr val="ffffff"/>
+                  <a:srgbClr val="000000"/>
                 </a:solidFill>
+                <a:uFillTx/>
                 <a:latin typeface="Arial"/>
                 <a:ea typeface="DejaVu Sans"/>
-              </a:rPr>
-              <a:t>Чи можемо ми використовувати його для визначення iPhone? </a:t>
-            </a:r>
-            <a:endParaRPr b="0" lang="uk-UA" sz="3000" spc="-1" strike="noStrike">
-              <a:latin typeface="Arial"/>
-            </a:endParaRPr>
-          </a:p>
-        </p:txBody>
-      </p:sp>
-      <p:pic>
-        <p:nvPicPr>
-          <p:cNvPr id="271" name="" descr=""/>
-          <p:cNvPicPr/>
-          <p:nvPr/>
-        </p:nvPicPr>
-        <p:blipFill>
-          <a:blip r:embed="rId1"/>
-          <a:stretch/>
-        </p:blipFill>
-        <p:spPr>
-          <a:xfrm>
-            <a:off x="2808000" y="1512000"/>
-            <a:ext cx="5873040" cy="4797360"/>
-          </a:xfrm>
-          <a:prstGeom prst="rect">
-            <a:avLst/>
-          </a:prstGeom>
-          <a:ln>
-            <a:noFill/>
-          </a:ln>
-        </p:spPr>
-      </p:pic>
+                <a:hlinkClick r:id="rId1"/>
+              </a:rPr>
+              <a:t>https://gist.github.com/wojteklu/73c6914cc446146b8b533c0988cf8d29</a:t>
+            </a:r>
+            <a:endParaRPr b="0" lang="uk-UA" sz="1500" spc="-1" strike="noStrike">
+              <a:latin typeface="Arial"/>
+            </a:endParaRPr>
+          </a:p>
+          <a:p>
+            <a:pPr>
+              <a:lnSpc>
+                <a:spcPct val="100000"/>
+              </a:lnSpc>
+            </a:pPr>
+            <a:endParaRPr b="0" lang="uk-UA" sz="1500" spc="-1" strike="noStrike">
+              <a:latin typeface="Arial"/>
+            </a:endParaRPr>
+          </a:p>
+          <a:p>
+            <a:pPr>
+              <a:lnSpc>
+                <a:spcPct val="100000"/>
+              </a:lnSpc>
+            </a:pPr>
+            <a:r>
+              <a:rPr b="0" lang="uk-UA" sz="1500" spc="-1" strike="noStrike" u="sng">
+                <a:solidFill>
+                  <a:srgbClr val="000000"/>
+                </a:solidFill>
+                <a:uFillTx/>
+                <a:latin typeface="Arial"/>
+                <a:ea typeface="DejaVu Sans"/>
+                <a:hlinkClick r:id="rId2"/>
+              </a:rPr>
+              <a:t>https://levelup.gitconnected.com/javascript-clean-code-solid-9d135f824180</a:t>
+            </a:r>
+            <a:endParaRPr b="0" lang="uk-UA" sz="1500" spc="-1" strike="noStrike">
+              <a:latin typeface="Arial"/>
+            </a:endParaRPr>
+          </a:p>
+          <a:p>
+            <a:pPr>
+              <a:lnSpc>
+                <a:spcPct val="100000"/>
+              </a:lnSpc>
+            </a:pPr>
+            <a:endParaRPr b="0" lang="uk-UA" sz="1500" spc="-1" strike="noStrike">
+              <a:latin typeface="Arial"/>
+            </a:endParaRPr>
+          </a:p>
+          <a:p>
+            <a:pPr>
+              <a:lnSpc>
+                <a:spcPct val="100000"/>
+              </a:lnSpc>
+            </a:pPr>
+            <a:r>
+              <a:rPr b="0" lang="uk-UA" sz="1500" spc="-1" strike="noStrike" u="sng">
+                <a:solidFill>
+                  <a:srgbClr val="000000"/>
+                </a:solidFill>
+                <a:uFillTx/>
+                <a:latin typeface="Arial"/>
+                <a:ea typeface="DejaVu Sans"/>
+                <a:hlinkClick r:id="rId3"/>
+              </a:rPr>
+              <a:t>https://medium.com/javascript-in-plain-english/javascript-clean-code-best-practices-461c24c53cae</a:t>
+            </a:r>
+            <a:endParaRPr b="0" lang="uk-UA" sz="1500" spc="-1" strike="noStrike">
+              <a:latin typeface="Arial"/>
+            </a:endParaRPr>
+          </a:p>
+          <a:p>
+            <a:pPr>
+              <a:lnSpc>
+                <a:spcPct val="100000"/>
+              </a:lnSpc>
+            </a:pPr>
+            <a:endParaRPr b="0" lang="uk-UA" sz="1500" spc="-1" strike="noStrike">
+              <a:latin typeface="Arial"/>
+            </a:endParaRPr>
+          </a:p>
+          <a:p>
+            <a:pPr>
+              <a:lnSpc>
+                <a:spcPct val="100000"/>
+              </a:lnSpc>
+            </a:pPr>
+            <a:r>
+              <a:rPr b="0" lang="uk-UA" sz="1500" spc="-1" strike="noStrike" u="sng">
+                <a:solidFill>
+                  <a:srgbClr val="000000"/>
+                </a:solidFill>
+                <a:uFillTx/>
+                <a:latin typeface="Arial"/>
+                <a:ea typeface="DejaVu Sans"/>
+                <a:hlinkClick r:id="rId4"/>
+              </a:rPr>
+              <a:t>https://github.com/ryanmcdermott/clean-code-javascript</a:t>
+            </a:r>
+            <a:endParaRPr b="0" lang="uk-UA" sz="1500" spc="-1" strike="noStrike">
+              <a:latin typeface="Arial"/>
+            </a:endParaRPr>
+          </a:p>
+          <a:p>
+            <a:pPr>
+              <a:lnSpc>
+                <a:spcPct val="100000"/>
+              </a:lnSpc>
+            </a:pPr>
+            <a:endParaRPr b="0" lang="uk-UA" sz="1500" spc="-1" strike="noStrike">
+              <a:latin typeface="Arial"/>
+            </a:endParaRPr>
+          </a:p>
+          <a:p>
+            <a:pPr>
+              <a:lnSpc>
+                <a:spcPct val="100000"/>
+              </a:lnSpc>
+            </a:pPr>
+            <a:r>
+              <a:rPr b="0" lang="uk-UA" sz="1500" spc="-1" strike="noStrike" u="sng">
+                <a:solidFill>
+                  <a:srgbClr val="000000"/>
+                </a:solidFill>
+                <a:uFillTx/>
+                <a:latin typeface="Arial"/>
+                <a:ea typeface="DejaVu Sans"/>
+                <a:hlinkClick r:id="rId5"/>
+              </a:rPr>
+              <a:t>https://dzone.com/articles/6-tips-to-help-you-write-cleaner-code-in-nodejs</a:t>
+            </a:r>
+            <a:endParaRPr b="0" lang="uk-UA" sz="1500" spc="-1" strike="noStrike">
+              <a:latin typeface="Arial"/>
+            </a:endParaRPr>
+          </a:p>
+          <a:p>
+            <a:pPr>
+              <a:lnSpc>
+                <a:spcPct val="100000"/>
+              </a:lnSpc>
+            </a:pPr>
+            <a:endParaRPr b="0" lang="uk-UA" sz="1500" spc="-1" strike="noStrike">
+              <a:latin typeface="Arial"/>
+            </a:endParaRPr>
+          </a:p>
+          <a:p>
+            <a:pPr>
+              <a:lnSpc>
+                <a:spcPct val="100000"/>
+              </a:lnSpc>
+            </a:pPr>
+            <a:r>
+              <a:rPr b="0" lang="uk-UA" sz="1500" spc="-1" strike="noStrike" u="sng">
+                <a:solidFill>
+                  <a:srgbClr val="000000"/>
+                </a:solidFill>
+                <a:uFillTx/>
+                <a:latin typeface="Arial"/>
+                <a:ea typeface="DejaVu Sans"/>
+                <a:hlinkClick r:id="rId6"/>
+              </a:rPr>
+              <a:t>https://thenextweb.com/syndication/2020/07/25/how-to-write-cleaner-code-with-javascript/</a:t>
+            </a:r>
+            <a:endParaRPr b="0" lang="uk-UA" sz="1500" spc="-1" strike="noStrike">
+              <a:latin typeface="Arial"/>
+            </a:endParaRPr>
+          </a:p>
+          <a:p>
+            <a:pPr>
+              <a:lnSpc>
+                <a:spcPct val="100000"/>
+              </a:lnSpc>
+            </a:pPr>
+            <a:endParaRPr b="0" lang="uk-UA" sz="1500" spc="-1" strike="noStrike">
+              <a:latin typeface="Arial"/>
+            </a:endParaRPr>
+          </a:p>
+          <a:p>
+            <a:pPr>
+              <a:lnSpc>
+                <a:spcPct val="100000"/>
+              </a:lnSpc>
+            </a:pPr>
+            <a:r>
+              <a:rPr b="0" lang="uk-UA" sz="1500" spc="-1" strike="noStrike" u="sng">
+                <a:solidFill>
+                  <a:srgbClr val="000000"/>
+                </a:solidFill>
+                <a:uFillTx/>
+                <a:latin typeface="Arial"/>
+                <a:ea typeface="DejaVu Sans"/>
+                <a:hlinkClick r:id="rId7"/>
+              </a:rPr>
+              <a:t>https://www.atyantik.com/clean-code-practices-javascript/</a:t>
+            </a:r>
+            <a:endParaRPr b="0" lang="uk-UA" sz="1500" spc="-1" strike="noStrike">
+              <a:latin typeface="Arial"/>
+            </a:endParaRPr>
+          </a:p>
+          <a:p>
+            <a:pPr>
+              <a:lnSpc>
+                <a:spcPct val="100000"/>
+              </a:lnSpc>
+            </a:pPr>
+            <a:endParaRPr b="0" lang="uk-UA" sz="1500" spc="-1" strike="noStrike">
+              <a:latin typeface="Arial"/>
+            </a:endParaRPr>
+          </a:p>
+          <a:p>
+            <a:pPr>
+              <a:lnSpc>
+                <a:spcPct val="100000"/>
+              </a:lnSpc>
+            </a:pPr>
+            <a:r>
+              <a:rPr b="0" lang="uk-UA" sz="1500" spc="-1" strike="noStrike" u="sng">
+                <a:solidFill>
+                  <a:srgbClr val="000000"/>
+                </a:solidFill>
+                <a:uFillTx/>
+                <a:latin typeface="Arial"/>
+                <a:ea typeface="DejaVu Sans"/>
+                <a:hlinkClick r:id="rId8"/>
+              </a:rPr>
+              <a:t>https://blog.bitsrc.io/solid-the-dependency-inversion-principle-in-angular-6e4b9c484960</a:t>
+            </a:r>
+            <a:endParaRPr b="0" lang="uk-UA" sz="1500" spc="-1" strike="noStrike">
+              <a:latin typeface="Arial"/>
+            </a:endParaRPr>
+          </a:p>
+          <a:p>
+            <a:pPr>
+              <a:lnSpc>
+                <a:spcPct val="100000"/>
+              </a:lnSpc>
+            </a:pPr>
+            <a:endParaRPr b="0" lang="uk-UA" sz="1500" spc="-1" strike="noStrike">
+              <a:latin typeface="Arial"/>
+            </a:endParaRPr>
+          </a:p>
+          <a:p>
+            <a:pPr>
+              <a:lnSpc>
+                <a:spcPct val="100000"/>
+              </a:lnSpc>
+            </a:pPr>
+            <a:endParaRPr b="0" lang="uk-UA" sz="1500" spc="-1" strike="noStrike">
+              <a:latin typeface="Arial"/>
+            </a:endParaRPr>
+          </a:p>
+          <a:p>
+            <a:pPr>
+              <a:lnSpc>
+                <a:spcPct val="100000"/>
+              </a:lnSpc>
+            </a:pPr>
+            <a:endParaRPr b="0" lang="uk-UA" sz="1500" spc="-1" strike="noStrike">
+              <a:latin typeface="Arial"/>
+            </a:endParaRPr>
+          </a:p>
+          <a:p>
+            <a:pPr>
+              <a:lnSpc>
+                <a:spcPct val="100000"/>
+              </a:lnSpc>
+            </a:pPr>
+            <a:endParaRPr b="0" lang="uk-UA" sz="1500" spc="-1" strike="noStrike">
+              <a:latin typeface="Arial"/>
+            </a:endParaRPr>
+          </a:p>
+        </p:txBody>
+      </p:sp>
     </p:spTree>
   </p:cSld>
   <mc:AlternateContent>
@@ -11689,14 +12266,14 @@
       </p:grpSpPr>
       <p:sp>
         <p:nvSpPr>
-          <p:cNvPr id="272" name="CustomShape 1"/>
+          <p:cNvPr id="280" name="CustomShape 1"/>
           <p:cNvSpPr/>
           <p:nvPr/>
         </p:nvSpPr>
         <p:spPr>
           <a:xfrm>
-            <a:off x="581400" y="539280"/>
-            <a:ext cx="11730600" cy="939960"/>
+            <a:off x="2880000" y="1728000"/>
+            <a:ext cx="8206920" cy="3637080"/>
           </a:xfrm>
           <a:prstGeom prst="rect">
             <a:avLst/>
@@ -11723,44 +12300,31 @@
               </a:lnSpc>
             </a:pPr>
             <a:r>
-              <a:rPr b="0" lang="uk-UA" sz="3000" spc="-1" strike="noStrike">
+              <a:rPr b="1" lang="uk-UA" sz="15000" spc="-1" strike="noStrike">
                 <a:solidFill>
-                  <a:srgbClr val="ffffff"/>
+                  <a:srgbClr val="f6f9d4"/>
                 </a:solidFill>
                 <a:latin typeface="Arial"/>
                 <a:ea typeface="DejaVu Sans"/>
               </a:rPr>
-              <a:t>Гаразд, але для старої Nokia 3310 цей інтерфейс буде порушувати принцип "Я" </a:t>
-            </a:r>
-            <a:endParaRPr b="0" lang="uk-UA" sz="3000" spc="-1" strike="noStrike">
-              <a:latin typeface="Arial"/>
-            </a:endParaRPr>
-          </a:p>
-        </p:txBody>
-      </p:sp>
-      <p:pic>
-        <p:nvPicPr>
-          <p:cNvPr id="273" name="" descr=""/>
-          <p:cNvPicPr/>
-          <p:nvPr/>
-        </p:nvPicPr>
-        <p:blipFill>
-          <a:blip r:embed="rId1"/>
-          <a:stretch/>
-        </p:blipFill>
-        <p:spPr>
-          <a:xfrm>
-            <a:off x="2664000" y="1688760"/>
-            <a:ext cx="5831280" cy="4502520"/>
-          </a:xfrm>
-          <a:prstGeom prst="rect">
-            <a:avLst/>
-          </a:prstGeom>
-          <a:ln>
-            <a:noFill/>
-          </a:ln>
-        </p:spPr>
-      </p:pic>
+              <a:t>Дякую !</a:t>
+            </a:r>
+            <a:endParaRPr b="0" lang="uk-UA" sz="15000" spc="-1" strike="noStrike">
+              <a:latin typeface="Arial"/>
+            </a:endParaRPr>
+          </a:p>
+          <a:p>
+            <a:pPr>
+              <a:lnSpc>
+                <a:spcPct val="100000"/>
+              </a:lnSpc>
+            </a:pPr>
+            <a:endParaRPr b="0" lang="uk-UA" sz="15000" spc="-1" strike="noStrike">
+              <a:latin typeface="Arial"/>
+            </a:endParaRPr>
+          </a:p>
+        </p:txBody>
+      </p:sp>
     </p:spTree>
   </p:cSld>
   <mc:AlternateContent>
@@ -11791,190 +12355,9 @@
           <a:chExt cx="0" cy="0"/>
         </a:xfrm>
       </p:grpSpPr>
-      <p:sp>
-        <p:nvSpPr>
-          <p:cNvPr id="274" name="CustomShape 1"/>
-          <p:cNvSpPr/>
-          <p:nvPr/>
-        </p:nvSpPr>
-        <p:spPr>
-          <a:xfrm>
-            <a:off x="576000" y="144000"/>
-            <a:ext cx="11088000" cy="5616720"/>
-          </a:xfrm>
-          <a:prstGeom prst="rect">
-            <a:avLst/>
-          </a:prstGeom>
-          <a:noFill/>
-          <a:ln>
-            <a:noFill/>
-          </a:ln>
-        </p:spPr>
-        <p:style>
-          <a:lnRef idx="0"/>
-          <a:fillRef idx="0"/>
-          <a:effectRef idx="0"/>
-          <a:fontRef idx="minor"/>
-        </p:style>
-        <p:txBody>
-          <a:bodyPr lIns="90000" rIns="90000" tIns="45000" bIns="45000">
-            <a:noAutofit/>
-          </a:bodyPr>
-          <a:p>
-            <a:pPr algn="just">
-              <a:lnSpc>
-                <a:spcPct val="100000"/>
-              </a:lnSpc>
-            </a:pPr>
-            <a:r>
-              <a:rPr b="0" lang="uk-UA" sz="4600" spc="-1" strike="noStrike">
-                <a:solidFill>
-                  <a:srgbClr val="ffffff"/>
-                </a:solidFill>
-                <a:latin typeface="Arial"/>
-                <a:ea typeface="DejaVu Sans"/>
-              </a:rPr>
-              <a:t>D</a:t>
-            </a:r>
-            <a:r>
-              <a:rPr b="0" lang="uk-UA" sz="3000" spc="-1" strike="noStrike">
-                <a:solidFill>
-                  <a:srgbClr val="ffffff"/>
-                </a:solidFill>
-                <a:latin typeface="Arial"/>
-                <a:ea typeface="DejaVu Sans"/>
-              </a:rPr>
-              <a:t> - Принцип інве́рсії зале́жностей (англ. Dependency Inversion Principle, DIP) — один з п'яти SOLID-принципів об'єктно-орієнтованого проектування програм, суть якого полягає у розриві зв'язності між програмними модулями вищого та нижчого рівнів за допомогою спільних абстракцій.  Принцип формулюється наступним чином:</a:t>
-            </a:r>
-            <a:endParaRPr b="0" lang="uk-UA" sz="3000" spc="-1" strike="noStrike">
-              <a:latin typeface="Arial"/>
-            </a:endParaRPr>
-          </a:p>
-          <a:p>
-            <a:pPr algn="just">
-              <a:lnSpc>
-                <a:spcPct val="100000"/>
-              </a:lnSpc>
-            </a:pPr>
-            <a:r>
-              <a:rPr b="0" lang="uk-UA" sz="3000" spc="-1" strike="noStrike">
-                <a:solidFill>
-                  <a:srgbClr val="ffffff"/>
-                </a:solidFill>
-                <a:latin typeface="Arial"/>
-                <a:ea typeface="DejaVu Sans"/>
-              </a:rPr>
-              <a:t> </a:t>
-            </a:r>
-            <a:r>
-              <a:rPr b="0" lang="uk-UA" sz="3000" spc="-1" strike="noStrike">
-                <a:solidFill>
-                  <a:srgbClr val="ffffff"/>
-                </a:solidFill>
-                <a:latin typeface="Arial"/>
-                <a:ea typeface="DejaVu Sans"/>
-              </a:rPr>
-              <a:t>- Модулі вищого рівня не повинні залежати від модулів нижчого рівня. Обидва типи модулів повинні залежати від абстракцій.</a:t>
-            </a:r>
-            <a:endParaRPr b="0" lang="uk-UA" sz="3000" spc="-1" strike="noStrike">
-              <a:latin typeface="Arial"/>
-            </a:endParaRPr>
-          </a:p>
-          <a:p>
-            <a:pPr algn="just">
-              <a:lnSpc>
-                <a:spcPct val="100000"/>
-              </a:lnSpc>
-            </a:pPr>
-            <a:r>
-              <a:rPr b="0" lang="uk-UA" sz="3000" spc="-1" strike="noStrike">
-                <a:solidFill>
-                  <a:srgbClr val="ffffff"/>
-                </a:solidFill>
-                <a:latin typeface="Arial"/>
-                <a:ea typeface="DejaVu Sans"/>
-              </a:rPr>
-              <a:t> </a:t>
-            </a:r>
-            <a:r>
-              <a:rPr b="0" lang="uk-UA" sz="3000" spc="-1" strike="noStrike">
-                <a:solidFill>
-                  <a:srgbClr val="ffffff"/>
-                </a:solidFill>
-                <a:latin typeface="Arial"/>
-                <a:ea typeface="DejaVu Sans"/>
-              </a:rPr>
-              <a:t>- Абстракції не повинні залежати від деталей реалізації.      Деталі реалізації повинні залежати від абстракцій.</a:t>
-            </a:r>
-            <a:endParaRPr b="0" lang="uk-UA" sz="3000" spc="-1" strike="noStrike">
-              <a:latin typeface="Arial"/>
-            </a:endParaRPr>
-          </a:p>
-          <a:p>
-            <a:pPr algn="just">
-              <a:lnSpc>
-                <a:spcPct val="100000"/>
-              </a:lnSpc>
-            </a:pPr>
-            <a:r>
-              <a:rPr b="0" lang="uk-UA" sz="3000" spc="-1" strike="noStrike">
-                <a:solidFill>
-                  <a:srgbClr val="ffffff"/>
-                </a:solidFill>
-                <a:latin typeface="Arial"/>
-                <a:ea typeface="DejaVu Sans"/>
-              </a:rPr>
-              <a:t>Принцип інверсії залежностей вирішує проблеми невдалого проектування програм.</a:t>
-            </a:r>
-            <a:r>
-              <a:rPr b="0" lang="uk-UA" sz="3000" spc="-1" strike="noStrike">
-                <a:solidFill>
-                  <a:srgbClr val="ffffff"/>
-                </a:solidFill>
-                <a:latin typeface="Arial"/>
-                <a:ea typeface="DejaVu Sans"/>
-              </a:rPr>
-              <a:t> </a:t>
-            </a:r>
-            <a:endParaRPr b="0" lang="uk-UA" sz="3000" spc="-1" strike="noStrike">
-              <a:latin typeface="Arial"/>
-            </a:endParaRPr>
-          </a:p>
-        </p:txBody>
-      </p:sp>
-    </p:spTree>
-  </p:cSld>
-  <mc:AlternateContent>
-    <mc:Choice Requires="p14">
-      <p:transition spd="slow" p14:dur="2000"/>
-    </mc:Choice>
-    <mc:Fallback>
-      <p:transition spd="slow"/>
-    </mc:Fallback>
-  </mc:AlternateContent>
-</p:sld>
-</file>
-
-<file path=ppt/slides/slide37.xml><?xml version="1.0" encoding="utf-8"?>
-<p:sld xmlns:a="http://schemas.openxmlformats.org/drawingml/2006/main" xmlns:p="http://schemas.openxmlformats.org/presentationml/2006/main" xmlns:r="http://schemas.openxmlformats.org/officeDocument/2006/relationships" xmlns:p14="http://schemas.microsoft.com/office/powerpoint/2010/main" xmlns:p15="http://schemas.microsoft.com/office/powerpoint/2012/main" xmlns:mc="http://schemas.openxmlformats.org/markup-compatibility/2006">
-  <p:cSld>
-    <p:spTree>
-      <p:nvGrpSpPr>
-        <p:cNvPr id="1" name=""/>
-        <p:cNvGrpSpPr/>
-        <p:nvPr/>
-      </p:nvGrpSpPr>
-      <p:grpSpPr>
-        <a:xfrm>
-          <a:off x="0" y="0"/>
-          <a:ext cx="0" cy="0"/>
-          <a:chOff x="0" y="0"/>
-          <a:chExt cx="0" cy="0"/>
-        </a:xfrm>
-      </p:grpSpPr>
       <p:pic>
         <p:nvPicPr>
-          <p:cNvPr id="275" name="" descr=""/>
+          <p:cNvPr id="281" name="pasted-image.png" descr=""/>
           <p:cNvPicPr/>
           <p:nvPr/>
         </p:nvPicPr>
@@ -11984,603 +12367,17 @@
         </p:blipFill>
         <p:spPr>
           <a:xfrm>
-            <a:off x="639720" y="1549080"/>
-            <a:ext cx="3319560" cy="4282200"/>
-          </a:xfrm>
-          <a:prstGeom prst="rect">
-            <a:avLst/>
-          </a:prstGeom>
-          <a:ln>
+            <a:off x="0" y="0"/>
+            <a:ext cx="12189960" cy="6855840"/>
+          </a:xfrm>
+          <a:prstGeom prst="rect">
+            <a:avLst/>
+          </a:prstGeom>
+          <a:ln w="12600">
             <a:noFill/>
           </a:ln>
         </p:spPr>
       </p:pic>
-      <p:pic>
-        <p:nvPicPr>
-          <p:cNvPr id="276" name="" descr=""/>
-          <p:cNvPicPr/>
-          <p:nvPr/>
-        </p:nvPicPr>
-        <p:blipFill>
-          <a:blip r:embed="rId2"/>
-          <a:stretch/>
-        </p:blipFill>
-        <p:spPr>
-          <a:xfrm>
-            <a:off x="4608000" y="1584000"/>
-            <a:ext cx="5957640" cy="4247280"/>
-          </a:xfrm>
-          <a:prstGeom prst="rect">
-            <a:avLst/>
-          </a:prstGeom>
-          <a:ln>
-            <a:noFill/>
-          </a:ln>
-        </p:spPr>
-      </p:pic>
-      <p:sp>
-        <p:nvSpPr>
-          <p:cNvPr id="277" name="CustomShape 1"/>
-          <p:cNvSpPr/>
-          <p:nvPr/>
-        </p:nvSpPr>
-        <p:spPr>
-          <a:xfrm>
-            <a:off x="576000" y="576000"/>
-            <a:ext cx="10871280" cy="514800"/>
-          </a:xfrm>
-          <a:prstGeom prst="rect">
-            <a:avLst/>
-          </a:prstGeom>
-          <a:noFill/>
-          <a:ln>
-            <a:noFill/>
-          </a:ln>
-        </p:spPr>
-        <p:style>
-          <a:lnRef idx="0"/>
-          <a:fillRef idx="0"/>
-          <a:effectRef idx="0"/>
-          <a:fontRef idx="minor"/>
-        </p:style>
-        <p:txBody>
-          <a:bodyPr lIns="90000" rIns="90000" tIns="45000" bIns="45000">
-            <a:noAutofit/>
-          </a:bodyPr>
-          <a:p>
-            <a:pPr>
-              <a:lnSpc>
-                <a:spcPct val="100000"/>
-              </a:lnSpc>
-            </a:pPr>
-            <a:r>
-              <a:rPr b="0" lang="uk-UA" sz="3000" spc="-1" strike="noStrike">
-                <a:solidFill>
-                  <a:srgbClr val="ffffff"/>
-                </a:solidFill>
-                <a:latin typeface="Arial"/>
-                <a:ea typeface="DejaVu Sans"/>
-              </a:rPr>
-              <a:t>Тут клас високого залежить від класів низького рівня .</a:t>
-            </a:r>
-            <a:endParaRPr b="0" lang="uk-UA" sz="3000" spc="-1" strike="noStrike">
-              <a:latin typeface="Arial"/>
-            </a:endParaRPr>
-          </a:p>
-        </p:txBody>
-      </p:sp>
-    </p:spTree>
-  </p:cSld>
-  <mc:AlternateContent>
-    <mc:Choice Requires="p14">
-      <p:transition spd="slow" p14:dur="2000"/>
-    </mc:Choice>
-    <mc:Fallback>
-      <p:transition spd="slow"/>
-    </mc:Fallback>
-  </mc:AlternateContent>
-</p:sld>
-</file>
-
-<file path=ppt/slides/slide38.xml><?xml version="1.0" encoding="utf-8"?>
-<p:sld xmlns:a="http://schemas.openxmlformats.org/drawingml/2006/main" xmlns:p="http://schemas.openxmlformats.org/presentationml/2006/main" xmlns:r="http://schemas.openxmlformats.org/officeDocument/2006/relationships" xmlns:p14="http://schemas.microsoft.com/office/powerpoint/2010/main" xmlns:p15="http://schemas.microsoft.com/office/powerpoint/2012/main" xmlns:mc="http://schemas.openxmlformats.org/markup-compatibility/2006">
-  <p:cSld>
-    <p:spTree>
-      <p:nvGrpSpPr>
-        <p:cNvPr id="1" name=""/>
-        <p:cNvGrpSpPr/>
-        <p:nvPr/>
-      </p:nvGrpSpPr>
-      <p:grpSpPr>
-        <a:xfrm>
-          <a:off x="0" y="0"/>
-          <a:ext cx="0" cy="0"/>
-          <a:chOff x="0" y="0"/>
-          <a:chExt cx="0" cy="0"/>
-        </a:xfrm>
-      </p:grpSpPr>
-      <p:pic>
-        <p:nvPicPr>
-          <p:cNvPr id="278" name="" descr=""/>
-          <p:cNvPicPr/>
-          <p:nvPr/>
-        </p:nvPicPr>
-        <p:blipFill>
-          <a:blip r:embed="rId1"/>
-          <a:stretch/>
-        </p:blipFill>
-        <p:spPr>
-          <a:xfrm>
-            <a:off x="1008000" y="791640"/>
-            <a:ext cx="3360600" cy="5399640"/>
-          </a:xfrm>
-          <a:prstGeom prst="rect">
-            <a:avLst/>
-          </a:prstGeom>
-          <a:ln>
-            <a:noFill/>
-          </a:ln>
-        </p:spPr>
-      </p:pic>
-      <p:sp>
-        <p:nvSpPr>
-          <p:cNvPr id="279" name="CustomShape 1"/>
-          <p:cNvSpPr/>
-          <p:nvPr/>
-        </p:nvSpPr>
-        <p:spPr>
-          <a:xfrm>
-            <a:off x="4896000" y="2736000"/>
-            <a:ext cx="6479280" cy="1365120"/>
-          </a:xfrm>
-          <a:prstGeom prst="rect">
-            <a:avLst/>
-          </a:prstGeom>
-          <a:noFill/>
-          <a:ln>
-            <a:noFill/>
-          </a:ln>
-        </p:spPr>
-        <p:style>
-          <a:lnRef idx="0"/>
-          <a:fillRef idx="0"/>
-          <a:effectRef idx="0"/>
-          <a:fontRef idx="minor"/>
-        </p:style>
-        <p:txBody>
-          <a:bodyPr lIns="90000" rIns="90000" tIns="45000" bIns="45000">
-            <a:noAutofit/>
-          </a:bodyPr>
-          <a:p>
-            <a:pPr>
-              <a:lnSpc>
-                <a:spcPct val="100000"/>
-              </a:lnSpc>
-            </a:pPr>
-            <a:r>
-              <a:rPr b="0" lang="uk-UA" sz="3000" spc="-1" strike="noStrike">
-                <a:solidFill>
-                  <a:srgbClr val="ffffff"/>
-                </a:solidFill>
-                <a:latin typeface="Arial"/>
-                <a:ea typeface="DejaVu Sans"/>
-              </a:rPr>
-              <a:t>Щоб уникнути проблеми в цьому простому випадку ми повинні зробити щось подібне. </a:t>
-            </a:r>
-            <a:endParaRPr b="0" lang="uk-UA" sz="3000" spc="-1" strike="noStrike">
-              <a:latin typeface="Arial"/>
-            </a:endParaRPr>
-          </a:p>
-        </p:txBody>
-      </p:sp>
-    </p:spTree>
-  </p:cSld>
-  <mc:AlternateContent>
-    <mc:Choice Requires="p14">
-      <p:transition spd="slow" p14:dur="2000"/>
-    </mc:Choice>
-    <mc:Fallback>
-      <p:transition spd="slow"/>
-    </mc:Fallback>
-  </mc:AlternateContent>
-</p:sld>
-</file>
-
-<file path=ppt/slides/slide39.xml><?xml version="1.0" encoding="utf-8"?>
-<p:sld xmlns:a="http://schemas.openxmlformats.org/drawingml/2006/main" xmlns:p="http://schemas.openxmlformats.org/presentationml/2006/main" xmlns:r="http://schemas.openxmlformats.org/officeDocument/2006/relationships" xmlns:p14="http://schemas.microsoft.com/office/powerpoint/2010/main" xmlns:p15="http://schemas.microsoft.com/office/powerpoint/2012/main" xmlns:mc="http://schemas.openxmlformats.org/markup-compatibility/2006">
-  <p:cSld>
-    <p:spTree>
-      <p:nvGrpSpPr>
-        <p:cNvPr id="1" name=""/>
-        <p:cNvGrpSpPr/>
-        <p:nvPr/>
-      </p:nvGrpSpPr>
-      <p:grpSpPr>
-        <a:xfrm>
-          <a:off x="0" y="0"/>
-          <a:ext cx="0" cy="0"/>
-          <a:chOff x="0" y="0"/>
-          <a:chExt cx="0" cy="0"/>
-        </a:xfrm>
-      </p:grpSpPr>
-      <p:sp>
-        <p:nvSpPr>
-          <p:cNvPr id="280" name="CustomShape 1"/>
-          <p:cNvSpPr/>
-          <p:nvPr/>
-        </p:nvSpPr>
-        <p:spPr>
-          <a:xfrm>
-            <a:off x="2952000" y="792000"/>
-            <a:ext cx="6695280" cy="741960"/>
-          </a:xfrm>
-          <a:prstGeom prst="rect">
-            <a:avLst/>
-          </a:prstGeom>
-          <a:noFill/>
-          <a:ln>
-            <a:noFill/>
-          </a:ln>
-        </p:spPr>
-        <p:style>
-          <a:lnRef idx="0"/>
-          <a:fillRef idx="0"/>
-          <a:effectRef idx="0"/>
-          <a:fontRef idx="minor"/>
-        </p:style>
-        <p:txBody>
-          <a:bodyPr lIns="90000" rIns="90000" tIns="45000" bIns="45000">
-            <a:noAutofit/>
-          </a:bodyPr>
-          <a:p>
-            <a:pPr algn="ctr">
-              <a:lnSpc>
-                <a:spcPct val="100000"/>
-              </a:lnSpc>
-            </a:pPr>
-            <a:r>
-              <a:rPr b="0" lang="uk-UA" sz="4600" spc="-1" strike="noStrike">
-                <a:solidFill>
-                  <a:srgbClr val="ffffff"/>
-                </a:solidFill>
-                <a:latin typeface="Arial"/>
-                <a:ea typeface="DejaVu Sans"/>
-              </a:rPr>
-              <a:t>Корисні посилання</a:t>
-            </a:r>
-            <a:endParaRPr b="0" lang="uk-UA" sz="4600" spc="-1" strike="noStrike">
-              <a:latin typeface="Arial"/>
-            </a:endParaRPr>
-          </a:p>
-        </p:txBody>
-      </p:sp>
-      <p:sp>
-        <p:nvSpPr>
-          <p:cNvPr id="281" name="CustomShape 2"/>
-          <p:cNvSpPr/>
-          <p:nvPr/>
-        </p:nvSpPr>
-        <p:spPr>
-          <a:xfrm>
-            <a:off x="1800720" y="1924560"/>
-            <a:ext cx="10943280" cy="4339440"/>
-          </a:xfrm>
-          <a:prstGeom prst="rect">
-            <a:avLst/>
-          </a:prstGeom>
-          <a:noFill/>
-          <a:ln>
-            <a:noFill/>
-          </a:ln>
-        </p:spPr>
-        <p:style>
-          <a:lnRef idx="0"/>
-          <a:fillRef idx="0"/>
-          <a:effectRef idx="0"/>
-          <a:fontRef idx="minor"/>
-        </p:style>
-        <p:txBody>
-          <a:bodyPr lIns="90000" rIns="90000" tIns="45000" bIns="45000">
-            <a:noAutofit/>
-          </a:bodyPr>
-          <a:p>
-            <a:pPr>
-              <a:lnSpc>
-                <a:spcPct val="100000"/>
-              </a:lnSpc>
-            </a:pPr>
-            <a:r>
-              <a:rPr b="0" lang="uk-UA" sz="1500" spc="-1" strike="noStrike" u="sng">
-                <a:solidFill>
-                  <a:srgbClr val="ffffff"/>
-                </a:solidFill>
-                <a:uFillTx/>
-                <a:latin typeface="Arial"/>
-                <a:ea typeface="DejaVu Sans"/>
-                <a:hlinkClick r:id="rId1"/>
-              </a:rPr>
-              <a:t>https://gist.github.com/wojteklu/73c6914cc446146b8b533c0988cf8d29</a:t>
-            </a:r>
-            <a:endParaRPr b="0" lang="uk-UA" sz="1500" spc="-1" strike="noStrike">
-              <a:latin typeface="Arial"/>
-            </a:endParaRPr>
-          </a:p>
-          <a:p>
-            <a:pPr>
-              <a:lnSpc>
-                <a:spcPct val="100000"/>
-              </a:lnSpc>
-            </a:pPr>
-            <a:endParaRPr b="0" lang="uk-UA" sz="1500" spc="-1" strike="noStrike">
-              <a:latin typeface="Arial"/>
-            </a:endParaRPr>
-          </a:p>
-          <a:p>
-            <a:pPr>
-              <a:lnSpc>
-                <a:spcPct val="100000"/>
-              </a:lnSpc>
-            </a:pPr>
-            <a:r>
-              <a:rPr b="0" lang="uk-UA" sz="1500" spc="-1" strike="noStrike" u="sng">
-                <a:solidFill>
-                  <a:srgbClr val="ffffff"/>
-                </a:solidFill>
-                <a:uFillTx/>
-                <a:latin typeface="Arial"/>
-                <a:ea typeface="DejaVu Sans"/>
-                <a:hlinkClick r:id="rId2"/>
-              </a:rPr>
-              <a:t>https://levelup.gitconnected.com/javascript-clean-code-solid-9d135f824180</a:t>
-            </a:r>
-            <a:endParaRPr b="0" lang="uk-UA" sz="1500" spc="-1" strike="noStrike">
-              <a:latin typeface="Arial"/>
-            </a:endParaRPr>
-          </a:p>
-          <a:p>
-            <a:pPr>
-              <a:lnSpc>
-                <a:spcPct val="100000"/>
-              </a:lnSpc>
-            </a:pPr>
-            <a:endParaRPr b="0" lang="uk-UA" sz="1500" spc="-1" strike="noStrike">
-              <a:latin typeface="Arial"/>
-            </a:endParaRPr>
-          </a:p>
-          <a:p>
-            <a:pPr>
-              <a:lnSpc>
-                <a:spcPct val="100000"/>
-              </a:lnSpc>
-            </a:pPr>
-            <a:r>
-              <a:rPr b="0" lang="uk-UA" sz="1500" spc="-1" strike="noStrike" u="sng">
-                <a:solidFill>
-                  <a:srgbClr val="ffffff"/>
-                </a:solidFill>
-                <a:uFillTx/>
-                <a:latin typeface="Arial"/>
-                <a:ea typeface="DejaVu Sans"/>
-                <a:hlinkClick r:id="rId3"/>
-              </a:rPr>
-              <a:t>https://medium.com/javascript-in-plain-english/javascript-clean-code-best-practices-461c24c53cae</a:t>
-            </a:r>
-            <a:endParaRPr b="0" lang="uk-UA" sz="1500" spc="-1" strike="noStrike">
-              <a:latin typeface="Arial"/>
-            </a:endParaRPr>
-          </a:p>
-          <a:p>
-            <a:pPr>
-              <a:lnSpc>
-                <a:spcPct val="100000"/>
-              </a:lnSpc>
-            </a:pPr>
-            <a:endParaRPr b="0" lang="uk-UA" sz="1500" spc="-1" strike="noStrike">
-              <a:latin typeface="Arial"/>
-            </a:endParaRPr>
-          </a:p>
-          <a:p>
-            <a:pPr>
-              <a:lnSpc>
-                <a:spcPct val="100000"/>
-              </a:lnSpc>
-            </a:pPr>
-            <a:r>
-              <a:rPr b="0" lang="uk-UA" sz="1500" spc="-1" strike="noStrike" u="sng">
-                <a:solidFill>
-                  <a:srgbClr val="ffffff"/>
-                </a:solidFill>
-                <a:uFillTx/>
-                <a:latin typeface="Arial"/>
-                <a:ea typeface="DejaVu Sans"/>
-                <a:hlinkClick r:id="rId4"/>
-              </a:rPr>
-              <a:t>https://github.com/ryanmcdermott/clean-code-javascript</a:t>
-            </a:r>
-            <a:endParaRPr b="0" lang="uk-UA" sz="1500" spc="-1" strike="noStrike">
-              <a:latin typeface="Arial"/>
-            </a:endParaRPr>
-          </a:p>
-          <a:p>
-            <a:pPr>
-              <a:lnSpc>
-                <a:spcPct val="100000"/>
-              </a:lnSpc>
-            </a:pPr>
-            <a:endParaRPr b="0" lang="uk-UA" sz="1500" spc="-1" strike="noStrike">
-              <a:latin typeface="Arial"/>
-            </a:endParaRPr>
-          </a:p>
-          <a:p>
-            <a:pPr>
-              <a:lnSpc>
-                <a:spcPct val="100000"/>
-              </a:lnSpc>
-            </a:pPr>
-            <a:r>
-              <a:rPr b="0" lang="uk-UA" sz="1500" spc="-1" strike="noStrike" u="sng">
-                <a:solidFill>
-                  <a:srgbClr val="ffffff"/>
-                </a:solidFill>
-                <a:uFillTx/>
-                <a:latin typeface="Arial"/>
-                <a:ea typeface="DejaVu Sans"/>
-                <a:hlinkClick r:id="rId5"/>
-              </a:rPr>
-              <a:t>https://dzone.com/articles/6-tips-to-help-you-write-cleaner-code-in-nodejs</a:t>
-            </a:r>
-            <a:endParaRPr b="0" lang="uk-UA" sz="1500" spc="-1" strike="noStrike">
-              <a:latin typeface="Arial"/>
-            </a:endParaRPr>
-          </a:p>
-          <a:p>
-            <a:pPr>
-              <a:lnSpc>
-                <a:spcPct val="100000"/>
-              </a:lnSpc>
-            </a:pPr>
-            <a:endParaRPr b="0" lang="uk-UA" sz="1500" spc="-1" strike="noStrike">
-              <a:latin typeface="Arial"/>
-            </a:endParaRPr>
-          </a:p>
-          <a:p>
-            <a:pPr>
-              <a:lnSpc>
-                <a:spcPct val="100000"/>
-              </a:lnSpc>
-            </a:pPr>
-            <a:r>
-              <a:rPr b="0" lang="uk-UA" sz="1500" spc="-1" strike="noStrike" u="sng">
-                <a:solidFill>
-                  <a:srgbClr val="ffffff"/>
-                </a:solidFill>
-                <a:uFillTx/>
-                <a:latin typeface="Arial"/>
-                <a:ea typeface="DejaVu Sans"/>
-                <a:hlinkClick r:id="rId6"/>
-              </a:rPr>
-              <a:t>https://thenextweb.com/syndication/2020/07/25/how-to-write-cleaner-code-with-javascript/</a:t>
-            </a:r>
-            <a:endParaRPr b="0" lang="uk-UA" sz="1500" spc="-1" strike="noStrike">
-              <a:latin typeface="Arial"/>
-            </a:endParaRPr>
-          </a:p>
-          <a:p>
-            <a:pPr>
-              <a:lnSpc>
-                <a:spcPct val="100000"/>
-              </a:lnSpc>
-            </a:pPr>
-            <a:endParaRPr b="0" lang="uk-UA" sz="1500" spc="-1" strike="noStrike">
-              <a:latin typeface="Arial"/>
-            </a:endParaRPr>
-          </a:p>
-          <a:p>
-            <a:pPr>
-              <a:lnSpc>
-                <a:spcPct val="100000"/>
-              </a:lnSpc>
-            </a:pPr>
-            <a:r>
-              <a:rPr b="0" lang="uk-UA" sz="1500" spc="-1" strike="noStrike" u="sng">
-                <a:solidFill>
-                  <a:srgbClr val="ffffff"/>
-                </a:solidFill>
-                <a:uFillTx/>
-                <a:latin typeface="Arial"/>
-                <a:ea typeface="DejaVu Sans"/>
-                <a:hlinkClick r:id="rId7"/>
-              </a:rPr>
-              <a:t>https://www.atyantik.com/clean-code-practices-javascript/</a:t>
-            </a:r>
-            <a:endParaRPr b="0" lang="uk-UA" sz="1500" spc="-1" strike="noStrike">
-              <a:latin typeface="Arial"/>
-            </a:endParaRPr>
-          </a:p>
-          <a:p>
-            <a:pPr>
-              <a:lnSpc>
-                <a:spcPct val="100000"/>
-              </a:lnSpc>
-            </a:pPr>
-            <a:endParaRPr b="0" lang="uk-UA" sz="1500" spc="-1" strike="noStrike">
-              <a:latin typeface="Arial"/>
-            </a:endParaRPr>
-          </a:p>
-          <a:p>
-            <a:pPr>
-              <a:lnSpc>
-                <a:spcPct val="100000"/>
-              </a:lnSpc>
-            </a:pPr>
-            <a:r>
-              <a:rPr b="0" lang="uk-UA" sz="1500" spc="-1" strike="noStrike" u="sng">
-                <a:solidFill>
-                  <a:srgbClr val="ffffff"/>
-                </a:solidFill>
-                <a:uFillTx/>
-                <a:latin typeface="Arial"/>
-                <a:ea typeface="DejaVu Sans"/>
-                <a:hlinkClick r:id="rId8"/>
-              </a:rPr>
-              <a:t>https://blog.bitsrc.io/solid-the-dependency-inversion-principle-in-angular-6e4b9c484960</a:t>
-            </a:r>
-            <a:endParaRPr b="0" lang="uk-UA" sz="1500" spc="-1" strike="noStrike">
-              <a:latin typeface="Arial"/>
-            </a:endParaRPr>
-          </a:p>
-          <a:p>
-            <a:pPr>
-              <a:lnSpc>
-                <a:spcPct val="100000"/>
-              </a:lnSpc>
-            </a:pPr>
-            <a:endParaRPr b="0" lang="uk-UA" sz="1500" spc="-1" strike="noStrike">
-              <a:latin typeface="Arial"/>
-            </a:endParaRPr>
-          </a:p>
-          <a:p>
-            <a:pPr>
-              <a:lnSpc>
-                <a:spcPct val="100000"/>
-              </a:lnSpc>
-            </a:pPr>
-            <a:r>
-              <a:rPr b="0" lang="uk-UA" sz="1500" spc="-1" strike="noStrike">
-                <a:solidFill>
-                  <a:srgbClr val="ffffff"/>
-                </a:solidFill>
-                <a:latin typeface="Arial"/>
-                <a:ea typeface="DejaVu Sans"/>
-              </a:rPr>
-              <a:t>https://habr.com/ru/company/ruvds/blog/428079/</a:t>
-            </a:r>
-            <a:endParaRPr b="0" lang="uk-UA" sz="1500" spc="-1" strike="noStrike">
-              <a:latin typeface="Arial"/>
-            </a:endParaRPr>
-          </a:p>
-          <a:p>
-            <a:pPr>
-              <a:lnSpc>
-                <a:spcPct val="100000"/>
-              </a:lnSpc>
-            </a:pPr>
-            <a:endParaRPr b="0" lang="uk-UA" sz="1500" spc="-1" strike="noStrike">
-              <a:latin typeface="Arial"/>
-            </a:endParaRPr>
-          </a:p>
-          <a:p>
-            <a:pPr>
-              <a:lnSpc>
-                <a:spcPct val="100000"/>
-              </a:lnSpc>
-            </a:pPr>
-            <a:endParaRPr b="0" lang="uk-UA" sz="1500" spc="-1" strike="noStrike">
-              <a:latin typeface="Arial"/>
-            </a:endParaRPr>
-          </a:p>
-        </p:txBody>
-      </p:sp>
     </p:spTree>
   </p:cSld>
   <mc:AlternateContent>
@@ -12620,7 +12417,7 @@
         <p:spPr>
           <a:xfrm>
             <a:off x="576000" y="648000"/>
-            <a:ext cx="10872000" cy="4766400"/>
+            <a:ext cx="10871640" cy="4766040"/>
           </a:xfrm>
           <a:prstGeom prst="rect">
             <a:avLst/>
@@ -12672,150 +12469,6 @@
           </a:p>
         </p:txBody>
       </p:sp>
-    </p:spTree>
-  </p:cSld>
-  <mc:AlternateContent>
-    <mc:Choice Requires="p14">
-      <p:transition spd="slow" p14:dur="2000"/>
-    </mc:Choice>
-    <mc:Fallback>
-      <p:transition spd="slow"/>
-    </mc:Fallback>
-  </mc:AlternateContent>
-</p:sld>
-</file>
-
-<file path=ppt/slides/slide40.xml><?xml version="1.0" encoding="utf-8"?>
-<p:sld xmlns:a="http://schemas.openxmlformats.org/drawingml/2006/main" xmlns:p="http://schemas.openxmlformats.org/presentationml/2006/main" xmlns:r="http://schemas.openxmlformats.org/officeDocument/2006/relationships" xmlns:p14="http://schemas.microsoft.com/office/powerpoint/2010/main" xmlns:p15="http://schemas.microsoft.com/office/powerpoint/2012/main" xmlns:mc="http://schemas.openxmlformats.org/markup-compatibility/2006">
-  <p:cSld>
-    <p:spTree>
-      <p:nvGrpSpPr>
-        <p:cNvPr id="1" name=""/>
-        <p:cNvGrpSpPr/>
-        <p:nvPr/>
-      </p:nvGrpSpPr>
-      <p:grpSpPr>
-        <a:xfrm>
-          <a:off x="0" y="0"/>
-          <a:ext cx="0" cy="0"/>
-          <a:chOff x="0" y="0"/>
-          <a:chExt cx="0" cy="0"/>
-        </a:xfrm>
-      </p:grpSpPr>
-      <p:sp>
-        <p:nvSpPr>
-          <p:cNvPr id="282" name="CustomShape 1"/>
-          <p:cNvSpPr/>
-          <p:nvPr/>
-        </p:nvSpPr>
-        <p:spPr>
-          <a:xfrm>
-            <a:off x="2880000" y="1728000"/>
-            <a:ext cx="8207280" cy="3637440"/>
-          </a:xfrm>
-          <a:prstGeom prst="rect">
-            <a:avLst/>
-          </a:prstGeom>
-          <a:noFill/>
-          <a:ln>
-            <a:noFill/>
-          </a:ln>
-        </p:spPr>
-        <p:style>
-          <a:lnRef idx="0"/>
-          <a:fillRef idx="0"/>
-          <a:effectRef idx="0"/>
-          <a:fontRef idx="minor"/>
-        </p:style>
-        <p:txBody>
-          <a:bodyPr lIns="90000" rIns="90000" tIns="45000" bIns="45000">
-            <a:noAutofit/>
-          </a:bodyPr>
-          <a:p>
-            <a:pPr>
-              <a:lnSpc>
-                <a:spcPct val="100000"/>
-              </a:lnSpc>
-            </a:pPr>
-            <a:r>
-              <a:rPr b="1" lang="uk-UA" sz="15000" spc="-1" strike="noStrike">
-                <a:solidFill>
-                  <a:srgbClr val="f6f9d4"/>
-                </a:solidFill>
-                <a:latin typeface="Arial"/>
-                <a:ea typeface="DejaVu Sans"/>
-              </a:rPr>
-              <a:t>Дякую !</a:t>
-            </a:r>
-            <a:endParaRPr b="0" lang="uk-UA" sz="15000" spc="-1" strike="noStrike">
-              <a:latin typeface="Arial"/>
-            </a:endParaRPr>
-          </a:p>
-          <a:p>
-            <a:pPr>
-              <a:lnSpc>
-                <a:spcPct val="100000"/>
-              </a:lnSpc>
-            </a:pPr>
-            <a:endParaRPr b="0" lang="uk-UA" sz="15000" spc="-1" strike="noStrike">
-              <a:latin typeface="Arial"/>
-            </a:endParaRPr>
-          </a:p>
-        </p:txBody>
-      </p:sp>
-    </p:spTree>
-  </p:cSld>
-  <mc:AlternateContent>
-    <mc:Choice Requires="p14">
-      <p:transition spd="slow" p14:dur="2000"/>
-    </mc:Choice>
-    <mc:Fallback>
-      <p:transition spd="slow"/>
-    </mc:Fallback>
-  </mc:AlternateContent>
-</p:sld>
-</file>
-
-<file path=ppt/slides/slide41.xml><?xml version="1.0" encoding="utf-8"?>
-<p:sld xmlns:a="http://schemas.openxmlformats.org/drawingml/2006/main" xmlns:p="http://schemas.openxmlformats.org/presentationml/2006/main" xmlns:r="http://schemas.openxmlformats.org/officeDocument/2006/relationships" xmlns:p14="http://schemas.microsoft.com/office/powerpoint/2010/main" xmlns:p15="http://schemas.microsoft.com/office/powerpoint/2012/main" xmlns:mc="http://schemas.openxmlformats.org/markup-compatibility/2006">
-  <p:cSld>
-    <p:spTree>
-      <p:nvGrpSpPr>
-        <p:cNvPr id="1" name=""/>
-        <p:cNvGrpSpPr/>
-        <p:nvPr/>
-      </p:nvGrpSpPr>
-      <p:grpSpPr>
-        <a:xfrm>
-          <a:off x="0" y="0"/>
-          <a:ext cx="0" cy="0"/>
-          <a:chOff x="0" y="0"/>
-          <a:chExt cx="0" cy="0"/>
-        </a:xfrm>
-      </p:grpSpPr>
-      <p:pic>
-        <p:nvPicPr>
-          <p:cNvPr id="283" name="pasted-image.png" descr=""/>
-          <p:cNvPicPr/>
-          <p:nvPr/>
-        </p:nvPicPr>
-        <p:blipFill>
-          <a:blip r:embed="rId1"/>
-          <a:stretch/>
-        </p:blipFill>
-        <p:spPr>
-          <a:xfrm>
-            <a:off x="0" y="0"/>
-            <a:ext cx="12190320" cy="6856200"/>
-          </a:xfrm>
-          <a:prstGeom prst="rect">
-            <a:avLst/>
-          </a:prstGeom>
-          <a:ln w="12600">
-            <a:noFill/>
-          </a:ln>
-        </p:spPr>
-      </p:pic>
     </p:spTree>
   </p:cSld>
   <mc:AlternateContent>
@@ -12859,7 +12512,7 @@
         <p:spPr>
           <a:xfrm>
             <a:off x="1728000" y="1152000"/>
-            <a:ext cx="8571600" cy="1904040"/>
+            <a:ext cx="8571240" cy="1903680"/>
           </a:xfrm>
           <a:prstGeom prst="rect">
             <a:avLst/>
@@ -12878,7 +12531,7 @@
         <p:spPr>
           <a:xfrm>
             <a:off x="4320000" y="504000"/>
-            <a:ext cx="4751280" cy="514800"/>
+            <a:ext cx="4750920" cy="514440"/>
           </a:xfrm>
           <a:prstGeom prst="rect">
             <a:avLst/>
@@ -12953,7 +12606,7 @@
         <p:spPr>
           <a:xfrm>
             <a:off x="3424680" y="3816720"/>
-            <a:ext cx="5287320" cy="2447280"/>
+            <a:ext cx="5286960" cy="2446920"/>
           </a:xfrm>
           <a:prstGeom prst="rect">
             <a:avLst/>
@@ -12972,7 +12625,7 @@
         <p:spPr>
           <a:xfrm>
             <a:off x="5112000" y="3168000"/>
-            <a:ext cx="4319280" cy="514800"/>
+            <a:ext cx="4318920" cy="514440"/>
           </a:xfrm>
           <a:prstGeom prst="rect">
             <a:avLst/>
@@ -13063,7 +12716,7 @@
         <p:spPr>
           <a:xfrm>
             <a:off x="685800" y="685800"/>
-            <a:ext cx="10818720" cy="684000"/>
+            <a:ext cx="10818360" cy="683640"/>
           </a:xfrm>
           <a:prstGeom prst="rect">
             <a:avLst/>
@@ -13089,7 +12742,7 @@
         <p:spPr>
           <a:xfrm>
             <a:off x="685800" y="2057400"/>
-            <a:ext cx="5173200" cy="3427200"/>
+            <a:ext cx="5172840" cy="3426840"/>
           </a:xfrm>
           <a:prstGeom prst="rect">
             <a:avLst/>
@@ -13115,7 +12768,7 @@
         <p:spPr>
           <a:xfrm>
             <a:off x="6330600" y="2057400"/>
-            <a:ext cx="5173560" cy="3427200"/>
+            <a:ext cx="5173200" cy="3426840"/>
           </a:xfrm>
           <a:prstGeom prst="rect">
             <a:avLst/>
@@ -13141,7 +12794,7 @@
         <p:spPr>
           <a:xfrm>
             <a:off x="4632120" y="432000"/>
-            <a:ext cx="2423160" cy="942480"/>
+            <a:ext cx="2422800" cy="942120"/>
           </a:xfrm>
           <a:prstGeom prst="rect">
             <a:avLst/>
@@ -13192,7 +12845,7 @@
         <p:spPr>
           <a:xfrm>
             <a:off x="268920" y="1224720"/>
-            <a:ext cx="12042360" cy="647280"/>
+            <a:ext cx="12042000" cy="646920"/>
           </a:xfrm>
           <a:prstGeom prst="rect">
             <a:avLst/>
@@ -13257,7 +12910,7 @@
         <p:spPr>
           <a:xfrm>
             <a:off x="1152000" y="2664000"/>
-            <a:ext cx="4199040" cy="3095280"/>
+            <a:ext cx="4198680" cy="3094920"/>
           </a:xfrm>
           <a:prstGeom prst="rect">
             <a:avLst/>
@@ -13280,7 +12933,7 @@
         <p:spPr>
           <a:xfrm>
             <a:off x="6480000" y="2664000"/>
-            <a:ext cx="4190400" cy="3167280"/>
+            <a:ext cx="4190040" cy="3166920"/>
           </a:xfrm>
           <a:prstGeom prst="rect">
             <a:avLst/>
@@ -13299,7 +12952,7 @@
         <p:spPr>
           <a:xfrm>
             <a:off x="1872000" y="2057400"/>
-            <a:ext cx="3311280" cy="749880"/>
+            <a:ext cx="3310920" cy="749520"/>
           </a:xfrm>
           <a:prstGeom prst="rect">
             <a:avLst/>
@@ -13350,7 +13003,7 @@
         <p:spPr>
           <a:xfrm>
             <a:off x="7560000" y="2057400"/>
-            <a:ext cx="2735280" cy="905400"/>
+            <a:ext cx="2734920" cy="905040"/>
           </a:xfrm>
           <a:prstGeom prst="rect">
             <a:avLst/>
@@ -13543,7 +13196,7 @@
         <p:spPr>
           <a:xfrm>
             <a:off x="648000" y="684360"/>
-            <a:ext cx="10799280" cy="4766400"/>
+            <a:ext cx="10798920" cy="4766040"/>
           </a:xfrm>
           <a:prstGeom prst="rect">
             <a:avLst/>
@@ -13577,7 +13230,7 @@
                 <a:latin typeface="Arial"/>
                 <a:ea typeface="DejaVu Sans"/>
               </a:rPr>
-              <a:t>Що означає значуще? Значущі імена - це досить описові імена, щоб інші люди, і не лише ми, змогли зрозуміти призначення змінної, функції або методу. Іншими словами, сама назва повинна підказувати, для чого використовується змінна, функція чи метод або що вона містить. Хорошим правилом є обмеження імен трьома-чотирма словами. Якщо нам потрібно використовувати більше чотирьох слів, можливо, ми намагаємося робити занадто багато речей одночасно, і нам слід спростити код. Отже, давайте використовувати лише стільки символів, скільки потрібно. </a:t>
+              <a:t>Що означає значуще? Значущі імена - це досить описові імена, щоб інші люди, і не лише ми, змогли зрозуміти призначення змінної, функції або методу. Іншими словами, сама назва повинна підказувати, для чого використовується змінна, функція чи метод або що вона містить. Хорошим правилом є обмеження імен трьома-чотирма словами. Якщо нам потрібно використовувати більше чотирьох слів, можливо, ми намагаємося робити занадто багато речей одночасно, і нам слід спростити код. </a:t>
             </a:r>
             <a:endParaRPr b="0" lang="uk-UA" sz="3000" spc="-1" strike="noStrike">
               <a:latin typeface="Arial"/>
@@ -13624,7 +13277,7 @@
         <p:spPr>
           <a:xfrm>
             <a:off x="685800" y="685800"/>
-            <a:ext cx="10818720" cy="684000"/>
+            <a:ext cx="10818360" cy="683640"/>
           </a:xfrm>
           <a:prstGeom prst="rect">
             <a:avLst/>
@@ -13650,7 +13303,7 @@
         <p:spPr>
           <a:xfrm>
             <a:off x="685800" y="2057400"/>
-            <a:ext cx="5173200" cy="3427200"/>
+            <a:ext cx="5172840" cy="3426840"/>
           </a:xfrm>
           <a:prstGeom prst="rect">
             <a:avLst/>
@@ -13676,7 +13329,7 @@
         <p:spPr>
           <a:xfrm>
             <a:off x="6330600" y="2057400"/>
-            <a:ext cx="5173560" cy="3427200"/>
+            <a:ext cx="5173200" cy="3426840"/>
           </a:xfrm>
           <a:prstGeom prst="rect">
             <a:avLst/>
@@ -13702,7 +13355,7 @@
         <p:spPr>
           <a:xfrm>
             <a:off x="4632120" y="432000"/>
-            <a:ext cx="2423160" cy="798480"/>
+            <a:ext cx="2422800" cy="798120"/>
           </a:xfrm>
           <a:prstGeom prst="rect">
             <a:avLst/>
@@ -13753,7 +13406,7 @@
         <p:spPr>
           <a:xfrm>
             <a:off x="0" y="1346040"/>
-            <a:ext cx="12042360" cy="1101240"/>
+            <a:ext cx="12042000" cy="1100880"/>
           </a:xfrm>
           <a:prstGeom prst="rect">
             <a:avLst/>
@@ -13828,7 +13481,7 @@
         <p:spPr>
           <a:xfrm>
             <a:off x="792000" y="3240000"/>
-            <a:ext cx="6191280" cy="2341080"/>
+            <a:ext cx="6190920" cy="2340720"/>
           </a:xfrm>
           <a:prstGeom prst="rect">
             <a:avLst/>
@@ -13851,7 +13504,7 @@
         <p:spPr>
           <a:xfrm>
             <a:off x="7776000" y="3168000"/>
-            <a:ext cx="3656160" cy="2375280"/>
+            <a:ext cx="3655800" cy="2374920"/>
           </a:xfrm>
           <a:prstGeom prst="rect">
             <a:avLst/>
@@ -13870,7 +13523,7 @@
         <p:spPr>
           <a:xfrm>
             <a:off x="3024000" y="2592000"/>
-            <a:ext cx="3311280" cy="514800"/>
+            <a:ext cx="3310920" cy="514440"/>
           </a:xfrm>
           <a:prstGeom prst="rect">
             <a:avLst/>
@@ -13921,7 +13574,7 @@
         <p:spPr>
           <a:xfrm>
             <a:off x="8928720" y="2520000"/>
-            <a:ext cx="2807280" cy="658800"/>
+            <a:ext cx="2806920" cy="658440"/>
           </a:xfrm>
           <a:prstGeom prst="rect">
             <a:avLst/>
@@ -14002,7 +13655,7 @@
         <p:spPr>
           <a:xfrm>
             <a:off x="648000" y="576000"/>
-            <a:ext cx="11088000" cy="4341240"/>
+            <a:ext cx="11087640" cy="4340880"/>
           </a:xfrm>
           <a:prstGeom prst="rect">
             <a:avLst/>
